--- a/react.pptx
+++ b/react.pptx
@@ -7,20 +7,34 @@
   <p:sldIdLst>
     <p:sldId id="256" r:id="rId2"/>
     <p:sldId id="267" r:id="rId3"/>
-    <p:sldId id="268" r:id="rId4"/>
-    <p:sldId id="257" r:id="rId5"/>
-    <p:sldId id="270" r:id="rId6"/>
-    <p:sldId id="259" r:id="rId7"/>
-    <p:sldId id="260" r:id="rId8"/>
-    <p:sldId id="258" r:id="rId9"/>
-    <p:sldId id="261" r:id="rId10"/>
-    <p:sldId id="262" r:id="rId11"/>
-    <p:sldId id="263" r:id="rId12"/>
-    <p:sldId id="264" r:id="rId13"/>
-    <p:sldId id="265" r:id="rId14"/>
-    <p:sldId id="266" r:id="rId15"/>
-    <p:sldId id="271" r:id="rId16"/>
-    <p:sldId id="269" r:id="rId17"/>
+    <p:sldId id="272" r:id="rId4"/>
+    <p:sldId id="280" r:id="rId5"/>
+    <p:sldId id="268" r:id="rId6"/>
+    <p:sldId id="257" r:id="rId7"/>
+    <p:sldId id="270" r:id="rId8"/>
+    <p:sldId id="259" r:id="rId9"/>
+    <p:sldId id="260" r:id="rId10"/>
+    <p:sldId id="258" r:id="rId11"/>
+    <p:sldId id="276" r:id="rId12"/>
+    <p:sldId id="261" r:id="rId13"/>
+    <p:sldId id="262" r:id="rId14"/>
+    <p:sldId id="263" r:id="rId15"/>
+    <p:sldId id="275" r:id="rId16"/>
+    <p:sldId id="264" r:id="rId17"/>
+    <p:sldId id="265" r:id="rId18"/>
+    <p:sldId id="266" r:id="rId19"/>
+    <p:sldId id="271" r:id="rId20"/>
+    <p:sldId id="273" r:id="rId21"/>
+    <p:sldId id="278" r:id="rId22"/>
+    <p:sldId id="279" r:id="rId23"/>
+    <p:sldId id="281" r:id="rId24"/>
+    <p:sldId id="282" r:id="rId25"/>
+    <p:sldId id="283" r:id="rId26"/>
+    <p:sldId id="284" r:id="rId27"/>
+    <p:sldId id="285" r:id="rId28"/>
+    <p:sldId id="286" r:id="rId29"/>
+    <p:sldId id="287" r:id="rId30"/>
+    <p:sldId id="288" r:id="rId31"/>
   </p:sldIdLst>
   <p:sldSz cx="12192000" cy="6858000"/>
   <p:notesSz cx="6858000" cy="9144000"/>
@@ -276,7 +290,7 @@
           <a:p>
             <a:fld id="{0AC42F83-6A5E-4614-92C4-C2704D312880}" type="datetimeFigureOut">
               <a:rPr lang="en-GB" smtClean="0"/>
-              <a:t>29/09/2022</a:t>
+              <a:t>30/09/2022</a:t>
             </a:fld>
             <a:endParaRPr lang="en-GB"/>
           </a:p>
@@ -476,7 +490,7 @@
           <a:p>
             <a:fld id="{0AC42F83-6A5E-4614-92C4-C2704D312880}" type="datetimeFigureOut">
               <a:rPr lang="en-GB" smtClean="0"/>
-              <a:t>29/09/2022</a:t>
+              <a:t>30/09/2022</a:t>
             </a:fld>
             <a:endParaRPr lang="en-GB"/>
           </a:p>
@@ -686,7 +700,7 @@
           <a:p>
             <a:fld id="{0AC42F83-6A5E-4614-92C4-C2704D312880}" type="datetimeFigureOut">
               <a:rPr lang="en-GB" smtClean="0"/>
-              <a:t>29/09/2022</a:t>
+              <a:t>30/09/2022</a:t>
             </a:fld>
             <a:endParaRPr lang="en-GB"/>
           </a:p>
@@ -886,7 +900,7 @@
           <a:p>
             <a:fld id="{0AC42F83-6A5E-4614-92C4-C2704D312880}" type="datetimeFigureOut">
               <a:rPr lang="en-GB" smtClean="0"/>
-              <a:t>29/09/2022</a:t>
+              <a:t>30/09/2022</a:t>
             </a:fld>
             <a:endParaRPr lang="en-GB"/>
           </a:p>
@@ -1162,7 +1176,7 @@
           <a:p>
             <a:fld id="{0AC42F83-6A5E-4614-92C4-C2704D312880}" type="datetimeFigureOut">
               <a:rPr lang="en-GB" smtClean="0"/>
-              <a:t>29/09/2022</a:t>
+              <a:t>30/09/2022</a:t>
             </a:fld>
             <a:endParaRPr lang="en-GB"/>
           </a:p>
@@ -1430,7 +1444,7 @@
           <a:p>
             <a:fld id="{0AC42F83-6A5E-4614-92C4-C2704D312880}" type="datetimeFigureOut">
               <a:rPr lang="en-GB" smtClean="0"/>
-              <a:t>29/09/2022</a:t>
+              <a:t>30/09/2022</a:t>
             </a:fld>
             <a:endParaRPr lang="en-GB"/>
           </a:p>
@@ -1845,7 +1859,7 @@
           <a:p>
             <a:fld id="{0AC42F83-6A5E-4614-92C4-C2704D312880}" type="datetimeFigureOut">
               <a:rPr lang="en-GB" smtClean="0"/>
-              <a:t>29/09/2022</a:t>
+              <a:t>30/09/2022</a:t>
             </a:fld>
             <a:endParaRPr lang="en-GB"/>
           </a:p>
@@ -1987,7 +2001,7 @@
           <a:p>
             <a:fld id="{0AC42F83-6A5E-4614-92C4-C2704D312880}" type="datetimeFigureOut">
               <a:rPr lang="en-GB" smtClean="0"/>
-              <a:t>29/09/2022</a:t>
+              <a:t>30/09/2022</a:t>
             </a:fld>
             <a:endParaRPr lang="en-GB"/>
           </a:p>
@@ -2100,7 +2114,7 @@
           <a:p>
             <a:fld id="{0AC42F83-6A5E-4614-92C4-C2704D312880}" type="datetimeFigureOut">
               <a:rPr lang="en-GB" smtClean="0"/>
-              <a:t>29/09/2022</a:t>
+              <a:t>30/09/2022</a:t>
             </a:fld>
             <a:endParaRPr lang="en-GB"/>
           </a:p>
@@ -2413,7 +2427,7 @@
           <a:p>
             <a:fld id="{0AC42F83-6A5E-4614-92C4-C2704D312880}" type="datetimeFigureOut">
               <a:rPr lang="en-GB" smtClean="0"/>
-              <a:t>29/09/2022</a:t>
+              <a:t>30/09/2022</a:t>
             </a:fld>
             <a:endParaRPr lang="en-GB"/>
           </a:p>
@@ -2702,7 +2716,7 @@
           <a:p>
             <a:fld id="{0AC42F83-6A5E-4614-92C4-C2704D312880}" type="datetimeFigureOut">
               <a:rPr lang="en-GB" smtClean="0"/>
-              <a:t>29/09/2022</a:t>
+              <a:t>30/09/2022</a:t>
             </a:fld>
             <a:endParaRPr lang="en-GB"/>
           </a:p>
@@ -2945,7 +2959,7 @@
           <a:p>
             <a:fld id="{0AC42F83-6A5E-4614-92C4-C2704D312880}" type="datetimeFigureOut">
               <a:rPr lang="en-GB" smtClean="0"/>
-              <a:t>29/09/2022</a:t>
+              <a:t>30/09/2022</a:t>
             </a:fld>
             <a:endParaRPr lang="en-GB"/>
           </a:p>
@@ -3453,7 +3467,7 @@
           <p:cNvPr id="2" name="Title 1">
             <a:extLst>
               <a:ext uri="{FF2B5EF4-FFF2-40B4-BE49-F238E27FC236}">
-                <a16:creationId xmlns:a16="http://schemas.microsoft.com/office/drawing/2014/main" id="{B357EC0C-4494-16F7-8440-D9681D46F452}"/>
+                <a16:creationId xmlns:a16="http://schemas.microsoft.com/office/drawing/2014/main" id="{4723CBB6-BD8A-30CC-8891-24336B3D7A70}"/>
               </a:ext>
             </a:extLst>
           </p:cNvPr>
@@ -3471,7 +3485,7 @@
           <a:p>
             <a:r>
               <a:rPr lang="en-GB" dirty="0"/>
-              <a:t>An example</a:t>
+              <a:t>react</a:t>
             </a:r>
           </a:p>
         </p:txBody>
@@ -3481,7 +3495,7 @@
           <p:cNvPr id="3" name="Content Placeholder 2">
             <a:extLst>
               <a:ext uri="{FF2B5EF4-FFF2-40B4-BE49-F238E27FC236}">
-                <a16:creationId xmlns:a16="http://schemas.microsoft.com/office/drawing/2014/main" id="{2BC72E20-A4D4-F791-340A-9564C41B832E}"/>
+                <a16:creationId xmlns:a16="http://schemas.microsoft.com/office/drawing/2014/main" id="{877A8B68-E686-B410-4598-63404A203793}"/>
               </a:ext>
             </a:extLst>
           </p:cNvPr>
@@ -3497,95 +3511,35 @@
           <a:bodyPr/>
           <a:lstStyle/>
           <a:p>
-            <a:pPr marL="0" indent="0">
-              <a:buNone/>
-            </a:pPr>
-            <a:r>
-              <a:rPr lang="en-GB" dirty="0"/>
-              <a:t>//</a:t>
-            </a:r>
-            <a:r>
-              <a:rPr lang="en-GB" dirty="0" err="1"/>
-              <a:t>MyFunComponent.jsx</a:t>
-            </a:r>
+            <a:r>
+              <a:rPr lang="en-GB" dirty="0"/>
+              <a:t>React is a JavaScript framework which fulfils two key roles:</a:t>
+            </a:r>
+          </a:p>
+          <a:p>
             <a:endParaRPr lang="en-GB" dirty="0"/>
           </a:p>
           <a:p>
-            <a:pPr marL="0" indent="0">
-              <a:buNone/>
-            </a:pPr>
-            <a:r>
-              <a:rPr lang="en-GB" dirty="0"/>
-              <a:t>import React from ‘react’;</a:t>
-            </a:r>
-          </a:p>
-          <a:p>
-            <a:pPr marL="0" indent="0">
-              <a:buNone/>
-            </a:pPr>
+            <a:r>
+              <a:rPr lang="en-GB" dirty="0"/>
+              <a:t>Firstly, it integrates the issues of data manipulation (traditional JS task) and the issue of data structure (traditional HTML task) into a single solution.</a:t>
+            </a:r>
+          </a:p>
+          <a:p>
             <a:endParaRPr lang="en-GB" dirty="0"/>
           </a:p>
           <a:p>
-            <a:pPr marL="0" indent="0">
-              <a:buNone/>
-            </a:pPr>
-            <a:r>
-              <a:rPr lang="en-GB" dirty="0"/>
-              <a:t>Let </a:t>
-            </a:r>
-            <a:r>
-              <a:rPr lang="en-GB" dirty="0" err="1"/>
-              <a:t>MyFunComponent</a:t>
-            </a:r>
-            <a:r>
-              <a:rPr lang="en-GB" dirty="0"/>
-              <a:t> = () =&gt; {</a:t>
-            </a:r>
-          </a:p>
-          <a:p>
-            <a:pPr marL="0" indent="0">
-              <a:buNone/>
-            </a:pPr>
-            <a:r>
-              <a:rPr lang="en-GB" dirty="0"/>
-              <a:t>	return &lt;div&gt;&lt;/div&gt;</a:t>
-            </a:r>
-          </a:p>
-          <a:p>
-            <a:pPr marL="0" indent="0">
-              <a:buNone/>
-            </a:pPr>
-            <a:r>
-              <a:rPr lang="en-GB" dirty="0"/>
-              <a:t>}</a:t>
-            </a:r>
-          </a:p>
-          <a:p>
-            <a:pPr marL="0" indent="0">
-              <a:buNone/>
-            </a:pPr>
-            <a:endParaRPr lang="en-GB" dirty="0"/>
-          </a:p>
-          <a:p>
-            <a:pPr marL="0" indent="0">
-              <a:buNone/>
-            </a:pPr>
-            <a:r>
-              <a:rPr lang="en-GB" dirty="0"/>
-              <a:t>export default </a:t>
-            </a:r>
-            <a:r>
-              <a:rPr lang="en-GB" dirty="0" err="1"/>
-              <a:t>MyFunComponent</a:t>
-            </a:r>
-            <a:endParaRPr lang="en-GB" dirty="0"/>
+            <a:r>
+              <a:rPr lang="en-GB" dirty="0"/>
+              <a:t>Secondly, it creates a way to encapsulate such behaviour in a manner which makes such code much more reusable, logical, and readable.</a:t>
+            </a:r>
           </a:p>
         </p:txBody>
       </p:sp>
     </p:spTree>
     <p:extLst>
       <p:ext uri="{BB962C8B-B14F-4D97-AF65-F5344CB8AC3E}">
-        <p14:creationId xmlns:p14="http://schemas.microsoft.com/office/powerpoint/2010/main" val="3406197174"/>
+        <p14:creationId xmlns:p14="http://schemas.microsoft.com/office/powerpoint/2010/main" val="4122720556"/>
       </p:ext>
     </p:extLst>
   </p:cSld>
@@ -3617,7 +3571,7 @@
           <p:cNvPr id="2" name="Title 1">
             <a:extLst>
               <a:ext uri="{FF2B5EF4-FFF2-40B4-BE49-F238E27FC236}">
-                <a16:creationId xmlns:a16="http://schemas.microsoft.com/office/drawing/2014/main" id="{3E74E9BA-5048-32ED-67EF-ECDE51EFB824}"/>
+                <a16:creationId xmlns:a16="http://schemas.microsoft.com/office/drawing/2014/main" id="{433A5E68-5DF8-0218-72A2-8EF746A0FC49}"/>
               </a:ext>
             </a:extLst>
           </p:cNvPr>
@@ -3635,188 +3589,40 @@
           <a:p>
             <a:r>
               <a:rPr lang="en-GB" dirty="0"/>
-              <a:t>How do we use it?</a:t>
-            </a:r>
-          </a:p>
-        </p:txBody>
-      </p:sp>
-      <p:sp>
-        <p:nvSpPr>
-          <p:cNvPr id="3" name="Content Placeholder 2">
-            <a:extLst>
-              <a:ext uri="{FF2B5EF4-FFF2-40B4-BE49-F238E27FC236}">
-                <a16:creationId xmlns:a16="http://schemas.microsoft.com/office/drawing/2014/main" id="{5158F6AF-D68E-A409-D400-4FF95426DA2B}"/>
-              </a:ext>
-            </a:extLst>
-          </p:cNvPr>
-          <p:cNvSpPr>
-            <a:spLocks noGrp="1"/>
-          </p:cNvSpPr>
-          <p:nvPr>
-            <p:ph idx="1"/>
-          </p:nvPr>
-        </p:nvSpPr>
-        <p:spPr/>
-        <p:txBody>
-          <a:bodyPr>
-            <a:normAutofit fontScale="92500" lnSpcReduction="20000"/>
-          </a:bodyPr>
-          <a:lstStyle/>
-          <a:p>
-            <a:pPr marL="0" indent="0">
-              <a:buNone/>
-            </a:pPr>
-            <a:r>
-              <a:rPr lang="en-GB" dirty="0"/>
-              <a:t>//index.js</a:t>
-            </a:r>
-          </a:p>
-          <a:p>
-            <a:pPr marL="0" indent="0">
-              <a:buNone/>
-            </a:pPr>
-            <a:endParaRPr lang="en-GB" dirty="0"/>
-          </a:p>
-          <a:p>
-            <a:pPr marL="0" indent="0">
-              <a:buNone/>
-            </a:pPr>
-            <a:r>
-              <a:rPr lang="en-GB" dirty="0"/>
-              <a:t>Import react from ‘react’;</a:t>
-            </a:r>
-          </a:p>
-          <a:p>
-            <a:pPr marL="0" indent="0">
-              <a:buNone/>
-            </a:pPr>
-            <a:r>
-              <a:rPr lang="en-GB" dirty="0"/>
-              <a:t>Import </a:t>
-            </a:r>
-            <a:r>
-              <a:rPr lang="en-GB" dirty="0" err="1"/>
-              <a:t>createRoot</a:t>
-            </a:r>
-            <a:r>
-              <a:rPr lang="en-GB" dirty="0"/>
-              <a:t> from ‘react-</a:t>
-            </a:r>
-            <a:r>
-              <a:rPr lang="en-GB" dirty="0" err="1"/>
-              <a:t>dom</a:t>
-            </a:r>
-            <a:r>
-              <a:rPr lang="en-GB" dirty="0"/>
-              <a:t>/client’;</a:t>
-            </a:r>
-          </a:p>
-          <a:p>
-            <a:pPr marL="0" indent="0">
-              <a:buNone/>
-            </a:pPr>
-            <a:endParaRPr lang="en-GB" dirty="0"/>
-          </a:p>
-          <a:p>
-            <a:pPr marL="0" indent="0">
-              <a:buNone/>
-            </a:pPr>
-            <a:r>
-              <a:rPr lang="en-GB" dirty="0"/>
-              <a:t>Import </a:t>
-            </a:r>
-            <a:r>
-              <a:rPr lang="en-GB" dirty="0" err="1"/>
-              <a:t>MyFunComponent</a:t>
-            </a:r>
-            <a:r>
-              <a:rPr lang="en-GB" dirty="0"/>
-              <a:t> from ‘</a:t>
-            </a:r>
-            <a:r>
-              <a:rPr lang="en-GB" dirty="0" err="1"/>
-              <a:t>MyFunComponent</a:t>
-            </a:r>
-            <a:r>
-              <a:rPr lang="en-GB" dirty="0"/>
-              <a:t>’</a:t>
-            </a:r>
-          </a:p>
-          <a:p>
-            <a:pPr marL="0" indent="0">
-              <a:buNone/>
-            </a:pPr>
-            <a:endParaRPr lang="en-GB" dirty="0"/>
-          </a:p>
-          <a:p>
-            <a:pPr marL="0" indent="0">
-              <a:buNone/>
-            </a:pPr>
-            <a:r>
-              <a:rPr lang="en-GB" dirty="0"/>
-              <a:t>Let container = </a:t>
-            </a:r>
-            <a:r>
-              <a:rPr lang="en-GB" dirty="0" err="1"/>
-              <a:t>document.getElementById</a:t>
-            </a:r>
-            <a:r>
-              <a:rPr lang="en-GB" dirty="0"/>
-              <a:t>(“</a:t>
-            </a:r>
-            <a:r>
-              <a:rPr lang="en-GB" dirty="0" err="1"/>
-              <a:t>appRoot</a:t>
-            </a:r>
-            <a:r>
-              <a:rPr lang="en-GB" dirty="0"/>
-              <a:t>”)</a:t>
-            </a:r>
-          </a:p>
-          <a:p>
-            <a:pPr marL="0" indent="0">
-              <a:buNone/>
-            </a:pPr>
-            <a:r>
-              <a:rPr lang="en-GB" dirty="0"/>
-              <a:t>Let root = </a:t>
-            </a:r>
-            <a:r>
-              <a:rPr lang="en-GB" dirty="0" err="1"/>
-              <a:t>createRoot</a:t>
-            </a:r>
-            <a:r>
-              <a:rPr lang="en-GB" dirty="0"/>
-              <a:t>(container)</a:t>
-            </a:r>
-          </a:p>
-          <a:p>
-            <a:pPr marL="0" indent="0">
-              <a:buNone/>
-            </a:pPr>
-            <a:r>
-              <a:rPr lang="en-GB" dirty="0" err="1"/>
-              <a:t>root.render</a:t>
-            </a:r>
-            <a:r>
-              <a:rPr lang="en-GB" dirty="0"/>
-              <a:t>(&lt;</a:t>
-            </a:r>
-            <a:r>
-              <a:rPr lang="en-GB" dirty="0" err="1"/>
-              <a:t>MyFunComponent</a:t>
-            </a:r>
-            <a:r>
-              <a:rPr lang="en-GB" dirty="0"/>
-              <a:t>/&gt;)</a:t>
-            </a:r>
+              <a:t>Components</a:t>
+            </a:r>
+          </a:p>
+        </p:txBody>
+      </p:sp>
+      <p:sp>
+        <p:nvSpPr>
+          <p:cNvPr id="3" name="Text Placeholder 2">
+            <a:extLst>
+              <a:ext uri="{FF2B5EF4-FFF2-40B4-BE49-F238E27FC236}">
+                <a16:creationId xmlns:a16="http://schemas.microsoft.com/office/drawing/2014/main" id="{DC047B27-AA5D-C488-219F-95854A7CD342}"/>
+              </a:ext>
+            </a:extLst>
+          </p:cNvPr>
+          <p:cNvSpPr>
+            <a:spLocks noGrp="1"/>
+          </p:cNvSpPr>
+          <p:nvPr>
+            <p:ph type="body" idx="1"/>
+          </p:nvPr>
+        </p:nvSpPr>
+        <p:spPr/>
+        <p:txBody>
+          <a:bodyPr/>
+          <a:lstStyle/>
+          <a:p>
+            <a:endParaRPr lang="en-GB"/>
           </a:p>
         </p:txBody>
       </p:sp>
     </p:spTree>
     <p:extLst>
       <p:ext uri="{BB962C8B-B14F-4D97-AF65-F5344CB8AC3E}">
-        <p14:creationId xmlns:p14="http://schemas.microsoft.com/office/powerpoint/2010/main" val="883693500"/>
+        <p14:creationId xmlns:p14="http://schemas.microsoft.com/office/powerpoint/2010/main" val="2450663919"/>
       </p:ext>
     </p:extLst>
   </p:cSld>
@@ -3848,7 +3654,7 @@
           <p:cNvPr id="2" name="Title 1">
             <a:extLst>
               <a:ext uri="{FF2B5EF4-FFF2-40B4-BE49-F238E27FC236}">
-                <a16:creationId xmlns:a16="http://schemas.microsoft.com/office/drawing/2014/main" id="{4AFBCB77-3A2D-2554-FC16-1A888CA822DC}"/>
+                <a16:creationId xmlns:a16="http://schemas.microsoft.com/office/drawing/2014/main" id="{AE8AA4A0-BDC2-F2B2-597D-B89A1A716192}"/>
               </a:ext>
             </a:extLst>
           </p:cNvPr>
@@ -3866,7 +3672,7 @@
           <a:p>
             <a:r>
               <a:rPr lang="en-GB" dirty="0"/>
-              <a:t>This doesn’t seem very great</a:t>
+              <a:t>Components</a:t>
             </a:r>
           </a:p>
         </p:txBody>
@@ -3876,7 +3682,7 @@
           <p:cNvPr id="3" name="Content Placeholder 2">
             <a:extLst>
               <a:ext uri="{FF2B5EF4-FFF2-40B4-BE49-F238E27FC236}">
-                <a16:creationId xmlns:a16="http://schemas.microsoft.com/office/drawing/2014/main" id="{3E56CAD2-82D2-4552-98DB-A3C65A91BC66}"/>
+                <a16:creationId xmlns:a16="http://schemas.microsoft.com/office/drawing/2014/main" id="{4755DB71-2BC0-61CD-D4CC-1D97F41DD367}"/>
               </a:ext>
             </a:extLst>
           </p:cNvPr>
@@ -3889,32 +3695,58 @@
         </p:nvSpPr>
         <p:spPr/>
         <p:txBody>
-          <a:bodyPr>
-            <a:normAutofit/>
-          </a:bodyPr>
-          <a:lstStyle/>
-          <a:p>
-            <a:r>
-              <a:rPr lang="en-GB" dirty="0"/>
-              <a:t>Let us introduce key feature #2:</a:t>
-            </a:r>
-          </a:p>
-          <a:p>
-            <a:r>
-              <a:rPr lang="en-GB" dirty="0"/>
-              <a:t>State</a:t>
-            </a:r>
-          </a:p>
-          <a:p>
-            <a:r>
-              <a:rPr lang="en-GB" dirty="0"/>
-              <a:t>Interactive apps have state;</a:t>
-            </a:r>
-          </a:p>
-          <a:p>
-            <a:r>
-              <a:rPr lang="en-GB" dirty="0"/>
-              <a:t>React has a special way of managing state, using a hook.</a:t>
+          <a:bodyPr/>
+          <a:lstStyle/>
+          <a:p>
+            <a:r>
+              <a:rPr lang="en-GB" dirty="0"/>
+              <a:t>The most important react concept.</a:t>
+            </a:r>
+          </a:p>
+          <a:p>
+            <a:endParaRPr lang="en-GB" dirty="0"/>
+          </a:p>
+          <a:p>
+            <a:r>
+              <a:rPr lang="en-GB" dirty="0"/>
+              <a:t>Code is split up into components – this is how we encapsulate </a:t>
+            </a:r>
+            <a:r>
+              <a:rPr lang="en-GB" dirty="0" err="1"/>
+              <a:t>behavior</a:t>
+            </a:r>
+            <a:r>
+              <a:rPr lang="en-GB" dirty="0"/>
+              <a:t>. We create a component to fulfil a specific task.</a:t>
+            </a:r>
+          </a:p>
+          <a:p>
+            <a:endParaRPr lang="en-GB" dirty="0"/>
+          </a:p>
+          <a:p>
+            <a:r>
+              <a:rPr lang="en-GB" dirty="0"/>
+              <a:t>Components can be class based or functional.</a:t>
+            </a:r>
+          </a:p>
+          <a:p>
+            <a:r>
+              <a:rPr lang="en-GB" dirty="0"/>
+              <a:t>No one write class based components anymore – they’re annoying</a:t>
+            </a:r>
+          </a:p>
+          <a:p>
+            <a:pPr lvl="1"/>
+            <a:r>
+              <a:rPr lang="en-GB" dirty="0"/>
+              <a:t>However they can be useful to study to understand the workings of react</a:t>
+            </a:r>
+          </a:p>
+          <a:p>
+            <a:pPr lvl="2"/>
+            <a:r>
+              <a:rPr lang="en-GB" dirty="0"/>
+              <a:t>We do not have time for that though.</a:t>
             </a:r>
           </a:p>
         </p:txBody>
@@ -3922,7 +3754,7 @@
     </p:spTree>
     <p:extLst>
       <p:ext uri="{BB962C8B-B14F-4D97-AF65-F5344CB8AC3E}">
-        <p14:creationId xmlns:p14="http://schemas.microsoft.com/office/powerpoint/2010/main" val="625264496"/>
+        <p14:creationId xmlns:p14="http://schemas.microsoft.com/office/powerpoint/2010/main" val="3369015090"/>
       </p:ext>
     </p:extLst>
   </p:cSld>
@@ -3954,7 +3786,7 @@
           <p:cNvPr id="2" name="Title 1">
             <a:extLst>
               <a:ext uri="{FF2B5EF4-FFF2-40B4-BE49-F238E27FC236}">
-                <a16:creationId xmlns:a16="http://schemas.microsoft.com/office/drawing/2014/main" id="{8150D172-956A-0693-CA2F-FC8F5903D1B9}"/>
+                <a16:creationId xmlns:a16="http://schemas.microsoft.com/office/drawing/2014/main" id="{B357EC0C-4494-16F7-8440-D9681D46F452}"/>
               </a:ext>
             </a:extLst>
           </p:cNvPr>
@@ -3972,7 +3804,7 @@
           <a:p>
             <a:r>
               <a:rPr lang="en-GB" dirty="0"/>
-              <a:t>Wait, a what now?</a:t>
+              <a:t>An example</a:t>
             </a:r>
           </a:p>
         </p:txBody>
@@ -3982,7 +3814,7 @@
           <p:cNvPr id="3" name="Content Placeholder 2">
             <a:extLst>
               <a:ext uri="{FF2B5EF4-FFF2-40B4-BE49-F238E27FC236}">
-                <a16:creationId xmlns:a16="http://schemas.microsoft.com/office/drawing/2014/main" id="{9CC154B9-3E35-FA73-4591-798B77837D8D}"/>
+                <a16:creationId xmlns:a16="http://schemas.microsoft.com/office/drawing/2014/main" id="{2BC72E20-A4D4-F791-340A-9564C41B832E}"/>
               </a:ext>
             </a:extLst>
           </p:cNvPr>
@@ -3998,27 +3830,87 @@
           <a:bodyPr/>
           <a:lstStyle/>
           <a:p>
-            <a:r>
-              <a:rPr lang="en-GB" dirty="0"/>
-              <a:t>A react hook is a special function that is used in achieving some particular effect.</a:t>
-            </a:r>
-          </a:p>
-          <a:p>
-            <a:r>
-              <a:rPr lang="en-GB" dirty="0"/>
-              <a:t>There are many built in hooks. You can extend their functionality by writing your own</a:t>
-            </a:r>
-          </a:p>
-          <a:p>
+            <a:pPr marL="0" indent="0">
+              <a:buNone/>
+            </a:pPr>
+            <a:r>
+              <a:rPr lang="en-GB" dirty="0"/>
+              <a:t>//</a:t>
+            </a:r>
+            <a:r>
+              <a:rPr lang="en-GB" dirty="0" err="1"/>
+              <a:t>MyFunComponent.jsx</a:t>
+            </a:r>
             <a:endParaRPr lang="en-GB" dirty="0"/>
           </a:p>
           <a:p>
-            <a:r>
-              <a:rPr lang="en-GB" dirty="0"/>
-              <a:t>But first, an example on state</a:t>
-            </a:r>
-          </a:p>
-          <a:p>
+            <a:pPr marL="0" indent="0">
+              <a:buNone/>
+            </a:pPr>
+            <a:r>
+              <a:rPr lang="en-GB" dirty="0"/>
+              <a:t>import React from ‘react’;</a:t>
+            </a:r>
+          </a:p>
+          <a:p>
+            <a:pPr marL="0" indent="0">
+              <a:buNone/>
+            </a:pPr>
+            <a:endParaRPr lang="en-GB" dirty="0"/>
+          </a:p>
+          <a:p>
+            <a:pPr marL="0" indent="0">
+              <a:buNone/>
+            </a:pPr>
+            <a:r>
+              <a:rPr lang="en-GB" dirty="0"/>
+              <a:t>Let </a:t>
+            </a:r>
+            <a:r>
+              <a:rPr lang="en-GB" dirty="0" err="1"/>
+              <a:t>MyFunComponent</a:t>
+            </a:r>
+            <a:r>
+              <a:rPr lang="en-GB" dirty="0"/>
+              <a:t> = () =&gt; {</a:t>
+            </a:r>
+          </a:p>
+          <a:p>
+            <a:pPr marL="0" indent="0">
+              <a:buNone/>
+            </a:pPr>
+            <a:r>
+              <a:rPr lang="en-GB" dirty="0"/>
+              <a:t>	return &lt;div&gt;&lt;/div&gt;</a:t>
+            </a:r>
+          </a:p>
+          <a:p>
+            <a:pPr marL="0" indent="0">
+              <a:buNone/>
+            </a:pPr>
+            <a:r>
+              <a:rPr lang="en-GB" dirty="0"/>
+              <a:t>}</a:t>
+            </a:r>
+          </a:p>
+          <a:p>
+            <a:pPr marL="0" indent="0">
+              <a:buNone/>
+            </a:pPr>
+            <a:endParaRPr lang="en-GB" dirty="0"/>
+          </a:p>
+          <a:p>
+            <a:pPr marL="0" indent="0">
+              <a:buNone/>
+            </a:pPr>
+            <a:r>
+              <a:rPr lang="en-GB" dirty="0"/>
+              <a:t>export default </a:t>
+            </a:r>
+            <a:r>
+              <a:rPr lang="en-GB" dirty="0" err="1"/>
+              <a:t>MyFunComponent</a:t>
+            </a:r>
             <a:endParaRPr lang="en-GB" dirty="0"/>
           </a:p>
         </p:txBody>
@@ -4026,7 +3918,7 @@
     </p:spTree>
     <p:extLst>
       <p:ext uri="{BB962C8B-B14F-4D97-AF65-F5344CB8AC3E}">
-        <p14:creationId xmlns:p14="http://schemas.microsoft.com/office/powerpoint/2010/main" val="1192361699"/>
+        <p14:creationId xmlns:p14="http://schemas.microsoft.com/office/powerpoint/2010/main" val="3406197174"/>
       </p:ext>
     </p:extLst>
   </p:cSld>
@@ -4058,6 +3950,556 @@
           <p:cNvPr id="2" name="Title 1">
             <a:extLst>
               <a:ext uri="{FF2B5EF4-FFF2-40B4-BE49-F238E27FC236}">
+                <a16:creationId xmlns:a16="http://schemas.microsoft.com/office/drawing/2014/main" id="{3E74E9BA-5048-32ED-67EF-ECDE51EFB824}"/>
+              </a:ext>
+            </a:extLst>
+          </p:cNvPr>
+          <p:cNvSpPr>
+            <a:spLocks noGrp="1"/>
+          </p:cNvSpPr>
+          <p:nvPr>
+            <p:ph type="title"/>
+          </p:nvPr>
+        </p:nvSpPr>
+        <p:spPr/>
+        <p:txBody>
+          <a:bodyPr/>
+          <a:lstStyle/>
+          <a:p>
+            <a:r>
+              <a:rPr lang="en-GB" dirty="0"/>
+              <a:t>How do we use it?</a:t>
+            </a:r>
+          </a:p>
+        </p:txBody>
+      </p:sp>
+      <p:sp>
+        <p:nvSpPr>
+          <p:cNvPr id="3" name="Content Placeholder 2">
+            <a:extLst>
+              <a:ext uri="{FF2B5EF4-FFF2-40B4-BE49-F238E27FC236}">
+                <a16:creationId xmlns:a16="http://schemas.microsoft.com/office/drawing/2014/main" id="{5158F6AF-D68E-A409-D400-4FF95426DA2B}"/>
+              </a:ext>
+            </a:extLst>
+          </p:cNvPr>
+          <p:cNvSpPr>
+            <a:spLocks noGrp="1"/>
+          </p:cNvSpPr>
+          <p:nvPr>
+            <p:ph idx="1"/>
+          </p:nvPr>
+        </p:nvSpPr>
+        <p:spPr/>
+        <p:txBody>
+          <a:bodyPr>
+            <a:normAutofit fontScale="92500" lnSpcReduction="20000"/>
+          </a:bodyPr>
+          <a:lstStyle/>
+          <a:p>
+            <a:pPr marL="0" indent="0">
+              <a:buNone/>
+            </a:pPr>
+            <a:r>
+              <a:rPr lang="en-GB" dirty="0"/>
+              <a:t>//index.js</a:t>
+            </a:r>
+          </a:p>
+          <a:p>
+            <a:pPr marL="0" indent="0">
+              <a:buNone/>
+            </a:pPr>
+            <a:endParaRPr lang="en-GB" dirty="0"/>
+          </a:p>
+          <a:p>
+            <a:pPr marL="0" indent="0">
+              <a:buNone/>
+            </a:pPr>
+            <a:r>
+              <a:rPr lang="en-GB" dirty="0"/>
+              <a:t>Import react from ‘react’;</a:t>
+            </a:r>
+          </a:p>
+          <a:p>
+            <a:pPr marL="0" indent="0">
+              <a:buNone/>
+            </a:pPr>
+            <a:r>
+              <a:rPr lang="en-GB" dirty="0"/>
+              <a:t>Import </a:t>
+            </a:r>
+            <a:r>
+              <a:rPr lang="en-GB" dirty="0" err="1"/>
+              <a:t>createRoot</a:t>
+            </a:r>
+            <a:r>
+              <a:rPr lang="en-GB" dirty="0"/>
+              <a:t> from ‘react-</a:t>
+            </a:r>
+            <a:r>
+              <a:rPr lang="en-GB" dirty="0" err="1"/>
+              <a:t>dom</a:t>
+            </a:r>
+            <a:r>
+              <a:rPr lang="en-GB" dirty="0"/>
+              <a:t>/client’;</a:t>
+            </a:r>
+          </a:p>
+          <a:p>
+            <a:pPr marL="0" indent="0">
+              <a:buNone/>
+            </a:pPr>
+            <a:endParaRPr lang="en-GB" dirty="0"/>
+          </a:p>
+          <a:p>
+            <a:pPr marL="0" indent="0">
+              <a:buNone/>
+            </a:pPr>
+            <a:r>
+              <a:rPr lang="en-GB" dirty="0"/>
+              <a:t>Import </a:t>
+            </a:r>
+            <a:r>
+              <a:rPr lang="en-GB" dirty="0" err="1"/>
+              <a:t>MyFunComponent</a:t>
+            </a:r>
+            <a:r>
+              <a:rPr lang="en-GB" dirty="0"/>
+              <a:t> from ‘</a:t>
+            </a:r>
+            <a:r>
+              <a:rPr lang="en-GB" dirty="0" err="1"/>
+              <a:t>MyFunComponent</a:t>
+            </a:r>
+            <a:r>
+              <a:rPr lang="en-GB" dirty="0"/>
+              <a:t>’</a:t>
+            </a:r>
+          </a:p>
+          <a:p>
+            <a:pPr marL="0" indent="0">
+              <a:buNone/>
+            </a:pPr>
+            <a:endParaRPr lang="en-GB" dirty="0"/>
+          </a:p>
+          <a:p>
+            <a:pPr marL="0" indent="0">
+              <a:buNone/>
+            </a:pPr>
+            <a:r>
+              <a:rPr lang="en-GB" dirty="0"/>
+              <a:t>Let container = </a:t>
+            </a:r>
+            <a:r>
+              <a:rPr lang="en-GB" dirty="0" err="1"/>
+              <a:t>document.getElementById</a:t>
+            </a:r>
+            <a:r>
+              <a:rPr lang="en-GB" dirty="0"/>
+              <a:t>(“</a:t>
+            </a:r>
+            <a:r>
+              <a:rPr lang="en-GB" dirty="0" err="1"/>
+              <a:t>appRoot</a:t>
+            </a:r>
+            <a:r>
+              <a:rPr lang="en-GB" dirty="0"/>
+              <a:t>”)</a:t>
+            </a:r>
+          </a:p>
+          <a:p>
+            <a:pPr marL="0" indent="0">
+              <a:buNone/>
+            </a:pPr>
+            <a:r>
+              <a:rPr lang="en-GB" dirty="0"/>
+              <a:t>Let root = </a:t>
+            </a:r>
+            <a:r>
+              <a:rPr lang="en-GB" dirty="0" err="1"/>
+              <a:t>createRoot</a:t>
+            </a:r>
+            <a:r>
+              <a:rPr lang="en-GB" dirty="0"/>
+              <a:t>(container)</a:t>
+            </a:r>
+          </a:p>
+          <a:p>
+            <a:pPr marL="0" indent="0">
+              <a:buNone/>
+            </a:pPr>
+            <a:r>
+              <a:rPr lang="en-GB" dirty="0" err="1"/>
+              <a:t>root.render</a:t>
+            </a:r>
+            <a:r>
+              <a:rPr lang="en-GB" dirty="0"/>
+              <a:t>(&lt;</a:t>
+            </a:r>
+            <a:r>
+              <a:rPr lang="en-GB" dirty="0" err="1"/>
+              <a:t>MyFunComponent</a:t>
+            </a:r>
+            <a:r>
+              <a:rPr lang="en-GB" dirty="0"/>
+              <a:t>/&gt;)</a:t>
+            </a:r>
+          </a:p>
+        </p:txBody>
+      </p:sp>
+    </p:spTree>
+    <p:extLst>
+      <p:ext uri="{BB962C8B-B14F-4D97-AF65-F5344CB8AC3E}">
+        <p14:creationId xmlns:p14="http://schemas.microsoft.com/office/powerpoint/2010/main" val="883693500"/>
+      </p:ext>
+    </p:extLst>
+  </p:cSld>
+  <p:clrMapOvr>
+    <a:masterClrMapping/>
+  </p:clrMapOvr>
+</p:sld>
+</file>
+
+<file path=ppt/slides/slide15.xml><?xml version="1.0" encoding="utf-8"?>
+<p:sld xmlns:a="http://schemas.openxmlformats.org/drawingml/2006/main" xmlns:r="http://schemas.openxmlformats.org/officeDocument/2006/relationships" xmlns:p="http://schemas.openxmlformats.org/presentationml/2006/main">
+  <p:cSld>
+    <p:spTree>
+      <p:nvGrpSpPr>
+        <p:cNvPr id="1" name=""/>
+        <p:cNvGrpSpPr/>
+        <p:nvPr/>
+      </p:nvGrpSpPr>
+      <p:grpSpPr>
+        <a:xfrm>
+          <a:off x="0" y="0"/>
+          <a:ext cx="0" cy="0"/>
+          <a:chOff x="0" y="0"/>
+          <a:chExt cx="0" cy="0"/>
+        </a:xfrm>
+      </p:grpSpPr>
+      <p:sp>
+        <p:nvSpPr>
+          <p:cNvPr id="2" name="Title 1">
+            <a:extLst>
+              <a:ext uri="{FF2B5EF4-FFF2-40B4-BE49-F238E27FC236}">
+                <a16:creationId xmlns:a16="http://schemas.microsoft.com/office/drawing/2014/main" id="{A40A8060-D6BF-41FB-DD86-9852DFB71189}"/>
+              </a:ext>
+            </a:extLst>
+          </p:cNvPr>
+          <p:cNvSpPr>
+            <a:spLocks noGrp="1"/>
+          </p:cNvSpPr>
+          <p:nvPr>
+            <p:ph type="title"/>
+          </p:nvPr>
+        </p:nvSpPr>
+        <p:spPr/>
+        <p:txBody>
+          <a:bodyPr/>
+          <a:lstStyle/>
+          <a:p>
+            <a:r>
+              <a:rPr lang="en-GB" dirty="0"/>
+              <a:t>Hooks &amp; State</a:t>
+            </a:r>
+          </a:p>
+        </p:txBody>
+      </p:sp>
+      <p:sp>
+        <p:nvSpPr>
+          <p:cNvPr id="3" name="Text Placeholder 2">
+            <a:extLst>
+              <a:ext uri="{FF2B5EF4-FFF2-40B4-BE49-F238E27FC236}">
+                <a16:creationId xmlns:a16="http://schemas.microsoft.com/office/drawing/2014/main" id="{4D4EFA3B-9A9A-7ED5-52AB-27EA041F236F}"/>
+              </a:ext>
+            </a:extLst>
+          </p:cNvPr>
+          <p:cNvSpPr>
+            <a:spLocks noGrp="1"/>
+          </p:cNvSpPr>
+          <p:nvPr>
+            <p:ph type="body" idx="1"/>
+          </p:nvPr>
+        </p:nvSpPr>
+        <p:spPr/>
+        <p:txBody>
+          <a:bodyPr/>
+          <a:lstStyle/>
+          <a:p>
+            <a:r>
+              <a:rPr lang="en-GB" dirty="0" err="1"/>
+              <a:t>useState</a:t>
+            </a:r>
+            <a:endParaRPr lang="en-GB" dirty="0"/>
+          </a:p>
+        </p:txBody>
+      </p:sp>
+    </p:spTree>
+    <p:extLst>
+      <p:ext uri="{BB962C8B-B14F-4D97-AF65-F5344CB8AC3E}">
+        <p14:creationId xmlns:p14="http://schemas.microsoft.com/office/powerpoint/2010/main" val="1701703893"/>
+      </p:ext>
+    </p:extLst>
+  </p:cSld>
+  <p:clrMapOvr>
+    <a:masterClrMapping/>
+  </p:clrMapOvr>
+</p:sld>
+</file>
+
+<file path=ppt/slides/slide16.xml><?xml version="1.0" encoding="utf-8"?>
+<p:sld xmlns:a="http://schemas.openxmlformats.org/drawingml/2006/main" xmlns:r="http://schemas.openxmlformats.org/officeDocument/2006/relationships" xmlns:p="http://schemas.openxmlformats.org/presentationml/2006/main">
+  <p:cSld>
+    <p:spTree>
+      <p:nvGrpSpPr>
+        <p:cNvPr id="1" name=""/>
+        <p:cNvGrpSpPr/>
+        <p:nvPr/>
+      </p:nvGrpSpPr>
+      <p:grpSpPr>
+        <a:xfrm>
+          <a:off x="0" y="0"/>
+          <a:ext cx="0" cy="0"/>
+          <a:chOff x="0" y="0"/>
+          <a:chExt cx="0" cy="0"/>
+        </a:xfrm>
+      </p:grpSpPr>
+      <p:sp>
+        <p:nvSpPr>
+          <p:cNvPr id="2" name="Title 1">
+            <a:extLst>
+              <a:ext uri="{FF2B5EF4-FFF2-40B4-BE49-F238E27FC236}">
+                <a16:creationId xmlns:a16="http://schemas.microsoft.com/office/drawing/2014/main" id="{4AFBCB77-3A2D-2554-FC16-1A888CA822DC}"/>
+              </a:ext>
+            </a:extLst>
+          </p:cNvPr>
+          <p:cNvSpPr>
+            <a:spLocks noGrp="1"/>
+          </p:cNvSpPr>
+          <p:nvPr>
+            <p:ph type="title"/>
+          </p:nvPr>
+        </p:nvSpPr>
+        <p:spPr/>
+        <p:txBody>
+          <a:bodyPr/>
+          <a:lstStyle/>
+          <a:p>
+            <a:r>
+              <a:rPr lang="en-GB" dirty="0"/>
+              <a:t>State</a:t>
+            </a:r>
+          </a:p>
+        </p:txBody>
+      </p:sp>
+      <p:sp>
+        <p:nvSpPr>
+          <p:cNvPr id="3" name="Content Placeholder 2">
+            <a:extLst>
+              <a:ext uri="{FF2B5EF4-FFF2-40B4-BE49-F238E27FC236}">
+                <a16:creationId xmlns:a16="http://schemas.microsoft.com/office/drawing/2014/main" id="{3E56CAD2-82D2-4552-98DB-A3C65A91BC66}"/>
+              </a:ext>
+            </a:extLst>
+          </p:cNvPr>
+          <p:cNvSpPr>
+            <a:spLocks noGrp="1"/>
+          </p:cNvSpPr>
+          <p:nvPr>
+            <p:ph idx="1"/>
+          </p:nvPr>
+        </p:nvSpPr>
+        <p:spPr/>
+        <p:txBody>
+          <a:bodyPr>
+            <a:normAutofit/>
+          </a:bodyPr>
+          <a:lstStyle/>
+          <a:p>
+            <a:r>
+              <a:rPr lang="en-GB" dirty="0"/>
+              <a:t>React can do more than just render fixed HTML</a:t>
+            </a:r>
+          </a:p>
+          <a:p>
+            <a:endParaRPr lang="en-GB" dirty="0"/>
+          </a:p>
+          <a:p>
+            <a:r>
+              <a:rPr lang="en-GB" dirty="0"/>
+              <a:t>Interactive apps have state;</a:t>
+            </a:r>
+          </a:p>
+          <a:p>
+            <a:endParaRPr lang="en-GB" dirty="0"/>
+          </a:p>
+          <a:p>
+            <a:r>
+              <a:rPr lang="en-GB" dirty="0"/>
+              <a:t>React has a special way of managing state, using a hook.</a:t>
+            </a:r>
+          </a:p>
+        </p:txBody>
+      </p:sp>
+    </p:spTree>
+    <p:extLst>
+      <p:ext uri="{BB962C8B-B14F-4D97-AF65-F5344CB8AC3E}">
+        <p14:creationId xmlns:p14="http://schemas.microsoft.com/office/powerpoint/2010/main" val="625264496"/>
+      </p:ext>
+    </p:extLst>
+  </p:cSld>
+  <p:clrMapOvr>
+    <a:masterClrMapping/>
+  </p:clrMapOvr>
+</p:sld>
+</file>
+
+<file path=ppt/slides/slide17.xml><?xml version="1.0" encoding="utf-8"?>
+<p:sld xmlns:a="http://schemas.openxmlformats.org/drawingml/2006/main" xmlns:r="http://schemas.openxmlformats.org/officeDocument/2006/relationships" xmlns:p="http://schemas.openxmlformats.org/presentationml/2006/main">
+  <p:cSld>
+    <p:spTree>
+      <p:nvGrpSpPr>
+        <p:cNvPr id="1" name=""/>
+        <p:cNvGrpSpPr/>
+        <p:nvPr/>
+      </p:nvGrpSpPr>
+      <p:grpSpPr>
+        <a:xfrm>
+          <a:off x="0" y="0"/>
+          <a:ext cx="0" cy="0"/>
+          <a:chOff x="0" y="0"/>
+          <a:chExt cx="0" cy="0"/>
+        </a:xfrm>
+      </p:grpSpPr>
+      <p:sp>
+        <p:nvSpPr>
+          <p:cNvPr id="2" name="Title 1">
+            <a:extLst>
+              <a:ext uri="{FF2B5EF4-FFF2-40B4-BE49-F238E27FC236}">
+                <a16:creationId xmlns:a16="http://schemas.microsoft.com/office/drawing/2014/main" id="{8150D172-956A-0693-CA2F-FC8F5903D1B9}"/>
+              </a:ext>
+            </a:extLst>
+          </p:cNvPr>
+          <p:cNvSpPr>
+            <a:spLocks noGrp="1"/>
+          </p:cNvSpPr>
+          <p:nvPr>
+            <p:ph type="title"/>
+          </p:nvPr>
+        </p:nvSpPr>
+        <p:spPr/>
+        <p:txBody>
+          <a:bodyPr/>
+          <a:lstStyle/>
+          <a:p>
+            <a:r>
+              <a:rPr lang="en-GB" dirty="0"/>
+              <a:t>Hooks - Wait, a what now?</a:t>
+            </a:r>
+          </a:p>
+        </p:txBody>
+      </p:sp>
+      <p:sp>
+        <p:nvSpPr>
+          <p:cNvPr id="3" name="Content Placeholder 2">
+            <a:extLst>
+              <a:ext uri="{FF2B5EF4-FFF2-40B4-BE49-F238E27FC236}">
+                <a16:creationId xmlns:a16="http://schemas.microsoft.com/office/drawing/2014/main" id="{9CC154B9-3E35-FA73-4591-798B77837D8D}"/>
+              </a:ext>
+            </a:extLst>
+          </p:cNvPr>
+          <p:cNvSpPr>
+            <a:spLocks noGrp="1"/>
+          </p:cNvSpPr>
+          <p:nvPr>
+            <p:ph idx="1"/>
+          </p:nvPr>
+        </p:nvSpPr>
+        <p:spPr/>
+        <p:txBody>
+          <a:bodyPr/>
+          <a:lstStyle/>
+          <a:p>
+            <a:r>
+              <a:rPr lang="en-GB" dirty="0"/>
+              <a:t>A react hook is a special function that is used in achieving some particular effect.</a:t>
+            </a:r>
+          </a:p>
+          <a:p>
+            <a:r>
+              <a:rPr lang="en-GB" dirty="0"/>
+              <a:t>There are many built in hooks. You can extend their functionality by writing your own.</a:t>
+            </a:r>
+          </a:p>
+          <a:p>
+            <a:endParaRPr lang="en-GB" dirty="0"/>
+          </a:p>
+          <a:p>
+            <a:r>
+              <a:rPr lang="en-GB" dirty="0"/>
+              <a:t>But we will only explore </a:t>
+            </a:r>
+            <a:r>
+              <a:rPr lang="en-GB" dirty="0" err="1"/>
+              <a:t>useState</a:t>
+            </a:r>
+            <a:r>
+              <a:rPr lang="en-GB" dirty="0"/>
+              <a:t> (maybe </a:t>
+            </a:r>
+            <a:r>
+              <a:rPr lang="en-GB" dirty="0" err="1"/>
+              <a:t>useEffect</a:t>
+            </a:r>
+            <a:r>
+              <a:rPr lang="en-GB" dirty="0"/>
+              <a:t>)</a:t>
+            </a:r>
+          </a:p>
+          <a:p>
+            <a:r>
+              <a:rPr lang="en-GB" dirty="0"/>
+              <a:t>But first, an example on state</a:t>
+            </a:r>
+          </a:p>
+          <a:p>
+            <a:endParaRPr lang="en-GB" dirty="0"/>
+          </a:p>
+        </p:txBody>
+      </p:sp>
+    </p:spTree>
+    <p:extLst>
+      <p:ext uri="{BB962C8B-B14F-4D97-AF65-F5344CB8AC3E}">
+        <p14:creationId xmlns:p14="http://schemas.microsoft.com/office/powerpoint/2010/main" val="1192361699"/>
+      </p:ext>
+    </p:extLst>
+  </p:cSld>
+  <p:clrMapOvr>
+    <a:masterClrMapping/>
+  </p:clrMapOvr>
+</p:sld>
+</file>
+
+<file path=ppt/slides/slide18.xml><?xml version="1.0" encoding="utf-8"?>
+<p:sld xmlns:a="http://schemas.openxmlformats.org/drawingml/2006/main" xmlns:r="http://schemas.openxmlformats.org/officeDocument/2006/relationships" xmlns:p="http://schemas.openxmlformats.org/presentationml/2006/main">
+  <p:cSld>
+    <p:spTree>
+      <p:nvGrpSpPr>
+        <p:cNvPr id="1" name=""/>
+        <p:cNvGrpSpPr/>
+        <p:nvPr/>
+      </p:nvGrpSpPr>
+      <p:grpSpPr>
+        <a:xfrm>
+          <a:off x="0" y="0"/>
+          <a:ext cx="0" cy="0"/>
+          <a:chOff x="0" y="0"/>
+          <a:chExt cx="0" cy="0"/>
+        </a:xfrm>
+      </p:grpSpPr>
+      <p:sp>
+        <p:nvSpPr>
+          <p:cNvPr id="2" name="Title 1">
+            <a:extLst>
+              <a:ext uri="{FF2B5EF4-FFF2-40B4-BE49-F238E27FC236}">
                 <a16:creationId xmlns:a16="http://schemas.microsoft.com/office/drawing/2014/main" id="{B357EC0C-4494-16F7-8440-D9681D46F452}"/>
               </a:ext>
             </a:extLst>
@@ -4203,7 +4645,15 @@
             </a:pPr>
             <a:r>
               <a:rPr lang="en-GB" dirty="0"/>
-              <a:t>		&lt;button onclick={()=&gt;</a:t>
+              <a:t>		&lt;button </a:t>
+            </a:r>
+            <a:r>
+              <a:rPr lang="en-GB" dirty="0" err="1"/>
+              <a:t>onClick</a:t>
+            </a:r>
+            <a:r>
+              <a:rPr lang="en-GB" dirty="0"/>
+              <a:t>={()=&gt;</a:t>
             </a:r>
             <a:r>
               <a:rPr lang="en-GB" dirty="0" err="1"/>
@@ -4229,7 +4679,15 @@
             </a:pPr>
             <a:r>
               <a:rPr lang="en-GB" dirty="0"/>
-              <a:t>		&lt;button onclick={()=&gt;</a:t>
+              <a:t>		&lt;button </a:t>
+            </a:r>
+            <a:r>
+              <a:rPr lang="en-GB" dirty="0" err="1"/>
+              <a:t>onClick</a:t>
+            </a:r>
+            <a:r>
+              <a:rPr lang="en-GB" dirty="0"/>
+              <a:t>={()=&gt;</a:t>
             </a:r>
             <a:r>
               <a:rPr lang="en-GB" dirty="0" err="1"/>
@@ -4293,7 +4751,7 @@
 </p:sld>
 </file>
 
-<file path=ppt/slides/slide15.xml><?xml version="1.0" encoding="utf-8"?>
+<file path=ppt/slides/slide19.xml><?xml version="1.0" encoding="utf-8"?>
 <p:sld xmlns:a="http://schemas.openxmlformats.org/drawingml/2006/main" xmlns:r="http://schemas.openxmlformats.org/officeDocument/2006/relationships" xmlns:p="http://schemas.openxmlformats.org/presentationml/2006/main">
   <p:cSld>
     <p:spTree>
@@ -4381,92 +4839,6 @@
 </p:sld>
 </file>
 
-<file path=ppt/slides/slide16.xml><?xml version="1.0" encoding="utf-8"?>
-<p:sld xmlns:a="http://schemas.openxmlformats.org/drawingml/2006/main" xmlns:r="http://schemas.openxmlformats.org/officeDocument/2006/relationships" xmlns:p="http://schemas.openxmlformats.org/presentationml/2006/main">
-  <p:cSld>
-    <p:spTree>
-      <p:nvGrpSpPr>
-        <p:cNvPr id="1" name=""/>
-        <p:cNvGrpSpPr/>
-        <p:nvPr/>
-      </p:nvGrpSpPr>
-      <p:grpSpPr>
-        <a:xfrm>
-          <a:off x="0" y="0"/>
-          <a:ext cx="0" cy="0"/>
-          <a:chOff x="0" y="0"/>
-          <a:chExt cx="0" cy="0"/>
-        </a:xfrm>
-      </p:grpSpPr>
-      <p:sp>
-        <p:nvSpPr>
-          <p:cNvPr id="2" name="Title 1">
-            <a:extLst>
-              <a:ext uri="{FF2B5EF4-FFF2-40B4-BE49-F238E27FC236}">
-                <a16:creationId xmlns:a16="http://schemas.microsoft.com/office/drawing/2014/main" id="{22C43EFD-141B-8CA8-6FCF-5B3BDFFBC649}"/>
-              </a:ext>
-            </a:extLst>
-          </p:cNvPr>
-          <p:cNvSpPr>
-            <a:spLocks noGrp="1"/>
-          </p:cNvSpPr>
-          <p:nvPr>
-            <p:ph type="title"/>
-          </p:nvPr>
-        </p:nvSpPr>
-        <p:spPr/>
-        <p:txBody>
-          <a:bodyPr/>
-          <a:lstStyle/>
-          <a:p>
-            <a:r>
-              <a:rPr lang="en-GB" dirty="0"/>
-              <a:t>Some useful resources</a:t>
-            </a:r>
-          </a:p>
-        </p:txBody>
-      </p:sp>
-      <p:sp>
-        <p:nvSpPr>
-          <p:cNvPr id="3" name="Content Placeholder 2">
-            <a:extLst>
-              <a:ext uri="{FF2B5EF4-FFF2-40B4-BE49-F238E27FC236}">
-                <a16:creationId xmlns:a16="http://schemas.microsoft.com/office/drawing/2014/main" id="{5CCD3F4F-B144-8AB9-38BB-A8D1AA481C9F}"/>
-              </a:ext>
-            </a:extLst>
-          </p:cNvPr>
-          <p:cNvSpPr>
-            <a:spLocks noGrp="1"/>
-          </p:cNvSpPr>
-          <p:nvPr>
-            <p:ph idx="1"/>
-          </p:nvPr>
-        </p:nvSpPr>
-        <p:spPr/>
-        <p:txBody>
-          <a:bodyPr/>
-          <a:lstStyle/>
-          <a:p>
-            <a:r>
-              <a:rPr lang="en-GB" dirty="0"/>
-              <a:t>React hooks docs: (https://reactjs.org/docs/hooks-reference.html)</a:t>
-            </a:r>
-          </a:p>
-        </p:txBody>
-      </p:sp>
-    </p:spTree>
-    <p:extLst>
-      <p:ext uri="{BB962C8B-B14F-4D97-AF65-F5344CB8AC3E}">
-        <p14:creationId xmlns:p14="http://schemas.microsoft.com/office/powerpoint/2010/main" val="620106571"/>
-      </p:ext>
-    </p:extLst>
-  </p:cSld>
-  <p:clrMapOvr>
-    <a:masterClrMapping/>
-  </p:clrMapOvr>
-</p:sld>
-</file>
-
 <file path=ppt/slides/slide2.xml><?xml version="1.0" encoding="utf-8"?>
 <p:sld xmlns:a="http://schemas.openxmlformats.org/drawingml/2006/main" xmlns:r="http://schemas.openxmlformats.org/officeDocument/2006/relationships" xmlns:p="http://schemas.openxmlformats.org/presentationml/2006/main">
   <p:cSld>
@@ -4616,6 +4988,1457 @@
     <p:extLst>
       <p:ext uri="{BB962C8B-B14F-4D97-AF65-F5344CB8AC3E}">
         <p14:creationId xmlns:p14="http://schemas.microsoft.com/office/powerpoint/2010/main" val="225415321"/>
+      </p:ext>
+    </p:extLst>
+  </p:cSld>
+  <p:clrMapOvr>
+    <a:masterClrMapping/>
+  </p:clrMapOvr>
+</p:sld>
+</file>
+
+<file path=ppt/slides/slide20.xml><?xml version="1.0" encoding="utf-8"?>
+<p:sld xmlns:a="http://schemas.openxmlformats.org/drawingml/2006/main" xmlns:r="http://schemas.openxmlformats.org/officeDocument/2006/relationships" xmlns:p="http://schemas.openxmlformats.org/presentationml/2006/main">
+  <p:cSld>
+    <p:spTree>
+      <p:nvGrpSpPr>
+        <p:cNvPr id="1" name=""/>
+        <p:cNvGrpSpPr/>
+        <p:nvPr/>
+      </p:nvGrpSpPr>
+      <p:grpSpPr>
+        <a:xfrm>
+          <a:off x="0" y="0"/>
+          <a:ext cx="0" cy="0"/>
+          <a:chOff x="0" y="0"/>
+          <a:chExt cx="0" cy="0"/>
+        </a:xfrm>
+      </p:grpSpPr>
+      <p:sp>
+        <p:nvSpPr>
+          <p:cNvPr id="2" name="Title 1">
+            <a:extLst>
+              <a:ext uri="{FF2B5EF4-FFF2-40B4-BE49-F238E27FC236}">
+                <a16:creationId xmlns:a16="http://schemas.microsoft.com/office/drawing/2014/main" id="{EC1553F2-E7F3-BB5F-6E62-BDE2A1CEE219}"/>
+              </a:ext>
+            </a:extLst>
+          </p:cNvPr>
+          <p:cNvSpPr>
+            <a:spLocks noGrp="1"/>
+          </p:cNvSpPr>
+          <p:nvPr>
+            <p:ph type="title"/>
+          </p:nvPr>
+        </p:nvSpPr>
+        <p:spPr/>
+        <p:txBody>
+          <a:bodyPr/>
+          <a:lstStyle/>
+          <a:p>
+            <a:r>
+              <a:rPr lang="en-GB" dirty="0"/>
+              <a:t>Iteration</a:t>
+            </a:r>
+          </a:p>
+        </p:txBody>
+      </p:sp>
+      <p:sp>
+        <p:nvSpPr>
+          <p:cNvPr id="3" name="Text Placeholder 2">
+            <a:extLst>
+              <a:ext uri="{FF2B5EF4-FFF2-40B4-BE49-F238E27FC236}">
+                <a16:creationId xmlns:a16="http://schemas.microsoft.com/office/drawing/2014/main" id="{E50CD9A6-D3A6-2F98-805F-16C7D7EEC368}"/>
+              </a:ext>
+            </a:extLst>
+          </p:cNvPr>
+          <p:cNvSpPr>
+            <a:spLocks noGrp="1"/>
+          </p:cNvSpPr>
+          <p:nvPr>
+            <p:ph type="body" idx="1"/>
+          </p:nvPr>
+        </p:nvSpPr>
+        <p:spPr/>
+        <p:txBody>
+          <a:bodyPr/>
+          <a:lstStyle/>
+          <a:p>
+            <a:endParaRPr lang="en-GB"/>
+          </a:p>
+        </p:txBody>
+      </p:sp>
+    </p:spTree>
+    <p:extLst>
+      <p:ext uri="{BB962C8B-B14F-4D97-AF65-F5344CB8AC3E}">
+        <p14:creationId xmlns:p14="http://schemas.microsoft.com/office/powerpoint/2010/main" val="1644688528"/>
+      </p:ext>
+    </p:extLst>
+  </p:cSld>
+  <p:clrMapOvr>
+    <a:masterClrMapping/>
+  </p:clrMapOvr>
+</p:sld>
+</file>
+
+<file path=ppt/slides/slide21.xml><?xml version="1.0" encoding="utf-8"?>
+<p:sld xmlns:a="http://schemas.openxmlformats.org/drawingml/2006/main" xmlns:r="http://schemas.openxmlformats.org/officeDocument/2006/relationships" xmlns:p="http://schemas.openxmlformats.org/presentationml/2006/main">
+  <p:cSld>
+    <p:spTree>
+      <p:nvGrpSpPr>
+        <p:cNvPr id="1" name=""/>
+        <p:cNvGrpSpPr/>
+        <p:nvPr/>
+      </p:nvGrpSpPr>
+      <p:grpSpPr>
+        <a:xfrm>
+          <a:off x="0" y="0"/>
+          <a:ext cx="0" cy="0"/>
+          <a:chOff x="0" y="0"/>
+          <a:chExt cx="0" cy="0"/>
+        </a:xfrm>
+      </p:grpSpPr>
+      <p:sp>
+        <p:nvSpPr>
+          <p:cNvPr id="2" name="Title 1">
+            <a:extLst>
+              <a:ext uri="{FF2B5EF4-FFF2-40B4-BE49-F238E27FC236}">
+                <a16:creationId xmlns:a16="http://schemas.microsoft.com/office/drawing/2014/main" id="{36D3DC11-577B-FB5D-951B-72CA8D5E41B7}"/>
+              </a:ext>
+            </a:extLst>
+          </p:cNvPr>
+          <p:cNvSpPr>
+            <a:spLocks noGrp="1"/>
+          </p:cNvSpPr>
+          <p:nvPr>
+            <p:ph type="title"/>
+          </p:nvPr>
+        </p:nvSpPr>
+        <p:spPr/>
+        <p:txBody>
+          <a:bodyPr/>
+          <a:lstStyle/>
+          <a:p>
+            <a:r>
+              <a:rPr lang="en-GB" dirty="0"/>
+              <a:t>Iteration</a:t>
+            </a:r>
+          </a:p>
+        </p:txBody>
+      </p:sp>
+      <p:sp>
+        <p:nvSpPr>
+          <p:cNvPr id="3" name="Content Placeholder 2">
+            <a:extLst>
+              <a:ext uri="{FF2B5EF4-FFF2-40B4-BE49-F238E27FC236}">
+                <a16:creationId xmlns:a16="http://schemas.microsoft.com/office/drawing/2014/main" id="{A73F725A-D6C9-2337-195E-AB5F8CE0C92B}"/>
+              </a:ext>
+            </a:extLst>
+          </p:cNvPr>
+          <p:cNvSpPr>
+            <a:spLocks noGrp="1"/>
+          </p:cNvSpPr>
+          <p:nvPr>
+            <p:ph idx="1"/>
+          </p:nvPr>
+        </p:nvSpPr>
+        <p:spPr/>
+        <p:txBody>
+          <a:bodyPr/>
+          <a:lstStyle/>
+          <a:p>
+            <a:r>
+              <a:rPr lang="en-GB" dirty="0"/>
+              <a:t>We just saw how we can use {} to inject JavaScript directly into the HTML</a:t>
+            </a:r>
+          </a:p>
+          <a:p>
+            <a:r>
+              <a:rPr lang="en-GB" dirty="0"/>
+              <a:t>We can use this to do lots of cool things:</a:t>
+            </a:r>
+          </a:p>
+          <a:p>
+            <a:pPr lvl="1"/>
+            <a:r>
+              <a:rPr lang="en-GB" dirty="0"/>
+              <a:t>Conditional rendering via ternary statement</a:t>
+            </a:r>
+          </a:p>
+          <a:p>
+            <a:pPr lvl="1"/>
+            <a:r>
+              <a:rPr lang="en-GB" dirty="0"/>
+              <a:t>In-line Variable manipulation</a:t>
+            </a:r>
+          </a:p>
+          <a:p>
+            <a:pPr lvl="1"/>
+            <a:endParaRPr lang="en-GB" dirty="0"/>
+          </a:p>
+          <a:p>
+            <a:r>
+              <a:rPr lang="en-GB" dirty="0"/>
+              <a:t>We can also use it to easily add HTML for every item in a list.</a:t>
+            </a:r>
+          </a:p>
+        </p:txBody>
+      </p:sp>
+    </p:spTree>
+    <p:extLst>
+      <p:ext uri="{BB962C8B-B14F-4D97-AF65-F5344CB8AC3E}">
+        <p14:creationId xmlns:p14="http://schemas.microsoft.com/office/powerpoint/2010/main" val="1449668892"/>
+      </p:ext>
+    </p:extLst>
+  </p:cSld>
+  <p:clrMapOvr>
+    <a:masterClrMapping/>
+  </p:clrMapOvr>
+</p:sld>
+</file>
+
+<file path=ppt/slides/slide22.xml><?xml version="1.0" encoding="utf-8"?>
+<p:sld xmlns:a="http://schemas.openxmlformats.org/drawingml/2006/main" xmlns:r="http://schemas.openxmlformats.org/officeDocument/2006/relationships" xmlns:p="http://schemas.openxmlformats.org/presentationml/2006/main">
+  <p:cSld>
+    <p:spTree>
+      <p:nvGrpSpPr>
+        <p:cNvPr id="1" name=""/>
+        <p:cNvGrpSpPr/>
+        <p:nvPr/>
+      </p:nvGrpSpPr>
+      <p:grpSpPr>
+        <a:xfrm>
+          <a:off x="0" y="0"/>
+          <a:ext cx="0" cy="0"/>
+          <a:chOff x="0" y="0"/>
+          <a:chExt cx="0" cy="0"/>
+        </a:xfrm>
+      </p:grpSpPr>
+      <p:sp>
+        <p:nvSpPr>
+          <p:cNvPr id="2" name="Title 1">
+            <a:extLst>
+              <a:ext uri="{FF2B5EF4-FFF2-40B4-BE49-F238E27FC236}">
+                <a16:creationId xmlns:a16="http://schemas.microsoft.com/office/drawing/2014/main" id="{29BB2471-70D2-D45E-3EB1-858284FD625A}"/>
+              </a:ext>
+            </a:extLst>
+          </p:cNvPr>
+          <p:cNvSpPr>
+            <a:spLocks noGrp="1"/>
+          </p:cNvSpPr>
+          <p:nvPr>
+            <p:ph type="title"/>
+          </p:nvPr>
+        </p:nvSpPr>
+        <p:spPr/>
+        <p:txBody>
+          <a:bodyPr/>
+          <a:lstStyle/>
+          <a:p>
+            <a:r>
+              <a:rPr lang="en-GB" dirty="0"/>
+              <a:t>Example</a:t>
+            </a:r>
+          </a:p>
+        </p:txBody>
+      </p:sp>
+      <p:sp>
+        <p:nvSpPr>
+          <p:cNvPr id="3" name="Content Placeholder 2">
+            <a:extLst>
+              <a:ext uri="{FF2B5EF4-FFF2-40B4-BE49-F238E27FC236}">
+                <a16:creationId xmlns:a16="http://schemas.microsoft.com/office/drawing/2014/main" id="{DA1543E0-7DD8-4C48-2136-DF4B7A64A7B7}"/>
+              </a:ext>
+            </a:extLst>
+          </p:cNvPr>
+          <p:cNvSpPr>
+            <a:spLocks noGrp="1"/>
+          </p:cNvSpPr>
+          <p:nvPr>
+            <p:ph idx="1"/>
+          </p:nvPr>
+        </p:nvSpPr>
+        <p:spPr/>
+        <p:txBody>
+          <a:bodyPr>
+            <a:normAutofit fontScale="77500" lnSpcReduction="20000"/>
+          </a:bodyPr>
+          <a:lstStyle/>
+          <a:p>
+            <a:pPr marL="0" indent="0">
+              <a:buNone/>
+            </a:pPr>
+            <a:r>
+              <a:rPr lang="en-GB" dirty="0"/>
+              <a:t>//</a:t>
+            </a:r>
+            <a:r>
+              <a:rPr lang="en-GB" dirty="0" err="1"/>
+              <a:t>Iteration.jsx</a:t>
+            </a:r>
+            <a:endParaRPr lang="en-GB" dirty="0"/>
+          </a:p>
+          <a:p>
+            <a:pPr marL="0" indent="0">
+              <a:buNone/>
+            </a:pPr>
+            <a:r>
+              <a:rPr lang="en-GB" dirty="0"/>
+              <a:t>Import react from “react”;</a:t>
+            </a:r>
+          </a:p>
+          <a:p>
+            <a:pPr marL="0" indent="0">
+              <a:buNone/>
+            </a:pPr>
+            <a:endParaRPr lang="en-GB" dirty="0"/>
+          </a:p>
+          <a:p>
+            <a:pPr marL="0" indent="0">
+              <a:buNone/>
+            </a:pPr>
+            <a:r>
+              <a:rPr lang="en-GB" dirty="0"/>
+              <a:t>Let </a:t>
+            </a:r>
+            <a:r>
+              <a:rPr lang="en-GB" dirty="0" err="1"/>
+              <a:t>Iter</a:t>
+            </a:r>
+            <a:r>
+              <a:rPr lang="en-GB" dirty="0"/>
+              <a:t> = () =&gt; {</a:t>
+            </a:r>
+          </a:p>
+          <a:p>
+            <a:pPr marL="0" indent="0">
+              <a:buNone/>
+            </a:pPr>
+            <a:r>
+              <a:rPr lang="en-GB" dirty="0"/>
+              <a:t>	let data = [“hello”, “this is”, “some data”]</a:t>
+            </a:r>
+          </a:p>
+          <a:p>
+            <a:pPr marL="0" indent="0">
+              <a:buNone/>
+            </a:pPr>
+            <a:endParaRPr lang="en-GB" dirty="0"/>
+          </a:p>
+          <a:p>
+            <a:pPr marL="0" indent="0">
+              <a:buNone/>
+            </a:pPr>
+            <a:r>
+              <a:rPr lang="en-GB" dirty="0"/>
+              <a:t>	return &lt;</a:t>
+            </a:r>
+            <a:r>
+              <a:rPr lang="en-GB" dirty="0" err="1"/>
+              <a:t>ul</a:t>
+            </a:r>
+            <a:r>
+              <a:rPr lang="en-GB" dirty="0"/>
+              <a:t>&gt;</a:t>
+            </a:r>
+          </a:p>
+          <a:p>
+            <a:pPr marL="0" indent="0">
+              <a:buNone/>
+            </a:pPr>
+            <a:r>
+              <a:rPr lang="en-GB" dirty="0"/>
+              <a:t>	{</a:t>
+            </a:r>
+          </a:p>
+          <a:p>
+            <a:pPr marL="0" indent="0">
+              <a:buNone/>
+            </a:pPr>
+            <a:r>
+              <a:rPr lang="en-GB" dirty="0"/>
+              <a:t>		</a:t>
+            </a:r>
+            <a:r>
+              <a:rPr lang="en-GB" dirty="0" err="1"/>
+              <a:t>data.map</a:t>
+            </a:r>
+            <a:r>
+              <a:rPr lang="en-GB" dirty="0"/>
+              <a:t>(each =&gt; &lt;li&gt;{each}&lt;/li&gt;)</a:t>
+            </a:r>
+          </a:p>
+          <a:p>
+            <a:pPr marL="0" indent="0">
+              <a:buNone/>
+            </a:pPr>
+            <a:r>
+              <a:rPr lang="en-GB" dirty="0"/>
+              <a:t>	}</a:t>
+            </a:r>
+          </a:p>
+          <a:p>
+            <a:pPr marL="0" indent="0">
+              <a:buNone/>
+            </a:pPr>
+            <a:r>
+              <a:rPr lang="en-GB" dirty="0"/>
+              <a:t>	&lt;/</a:t>
+            </a:r>
+            <a:r>
+              <a:rPr lang="en-GB" dirty="0" err="1"/>
+              <a:t>ul</a:t>
+            </a:r>
+            <a:r>
+              <a:rPr lang="en-GB" dirty="0"/>
+              <a:t>&gt;</a:t>
+            </a:r>
+          </a:p>
+          <a:p>
+            <a:pPr marL="0" indent="0">
+              <a:buNone/>
+            </a:pPr>
+            <a:r>
+              <a:rPr lang="en-GB" dirty="0"/>
+              <a:t>}</a:t>
+            </a:r>
+          </a:p>
+        </p:txBody>
+      </p:sp>
+    </p:spTree>
+    <p:extLst>
+      <p:ext uri="{BB962C8B-B14F-4D97-AF65-F5344CB8AC3E}">
+        <p14:creationId xmlns:p14="http://schemas.microsoft.com/office/powerpoint/2010/main" val="1922707403"/>
+      </p:ext>
+    </p:extLst>
+  </p:cSld>
+  <p:clrMapOvr>
+    <a:masterClrMapping/>
+  </p:clrMapOvr>
+</p:sld>
+</file>
+
+<file path=ppt/slides/slide23.xml><?xml version="1.0" encoding="utf-8"?>
+<p:sld xmlns:a="http://schemas.openxmlformats.org/drawingml/2006/main" xmlns:r="http://schemas.openxmlformats.org/officeDocument/2006/relationships" xmlns:p="http://schemas.openxmlformats.org/presentationml/2006/main">
+  <p:cSld>
+    <p:spTree>
+      <p:nvGrpSpPr>
+        <p:cNvPr id="1" name=""/>
+        <p:cNvGrpSpPr/>
+        <p:nvPr/>
+      </p:nvGrpSpPr>
+      <p:grpSpPr>
+        <a:xfrm>
+          <a:off x="0" y="0"/>
+          <a:ext cx="0" cy="0"/>
+          <a:chOff x="0" y="0"/>
+          <a:chExt cx="0" cy="0"/>
+        </a:xfrm>
+      </p:grpSpPr>
+      <p:sp>
+        <p:nvSpPr>
+          <p:cNvPr id="2" name="Title 1">
+            <a:extLst>
+              <a:ext uri="{FF2B5EF4-FFF2-40B4-BE49-F238E27FC236}">
+                <a16:creationId xmlns:a16="http://schemas.microsoft.com/office/drawing/2014/main" id="{6B217DA7-34E3-12AE-8E5F-137697BC977C}"/>
+              </a:ext>
+            </a:extLst>
+          </p:cNvPr>
+          <p:cNvSpPr>
+            <a:spLocks noGrp="1"/>
+          </p:cNvSpPr>
+          <p:nvPr>
+            <p:ph type="title"/>
+          </p:nvPr>
+        </p:nvSpPr>
+        <p:spPr/>
+        <p:txBody>
+          <a:bodyPr/>
+          <a:lstStyle/>
+          <a:p>
+            <a:r>
+              <a:rPr lang="en-US" dirty="0"/>
+              <a:t>Props &amp; Sub-components</a:t>
+            </a:r>
+            <a:endParaRPr lang="en-GB" dirty="0"/>
+          </a:p>
+        </p:txBody>
+      </p:sp>
+      <p:sp>
+        <p:nvSpPr>
+          <p:cNvPr id="3" name="Text Placeholder 2">
+            <a:extLst>
+              <a:ext uri="{FF2B5EF4-FFF2-40B4-BE49-F238E27FC236}">
+                <a16:creationId xmlns:a16="http://schemas.microsoft.com/office/drawing/2014/main" id="{BA192B31-98F9-0B39-28AF-F88B40BBA1F8}"/>
+              </a:ext>
+            </a:extLst>
+          </p:cNvPr>
+          <p:cNvSpPr>
+            <a:spLocks noGrp="1"/>
+          </p:cNvSpPr>
+          <p:nvPr>
+            <p:ph type="body" idx="1"/>
+          </p:nvPr>
+        </p:nvSpPr>
+        <p:spPr/>
+        <p:txBody>
+          <a:bodyPr/>
+          <a:lstStyle/>
+          <a:p>
+            <a:endParaRPr lang="en-GB"/>
+          </a:p>
+        </p:txBody>
+      </p:sp>
+    </p:spTree>
+    <p:extLst>
+      <p:ext uri="{BB962C8B-B14F-4D97-AF65-F5344CB8AC3E}">
+        <p14:creationId xmlns:p14="http://schemas.microsoft.com/office/powerpoint/2010/main" val="297123719"/>
+      </p:ext>
+    </p:extLst>
+  </p:cSld>
+  <p:clrMapOvr>
+    <a:masterClrMapping/>
+  </p:clrMapOvr>
+</p:sld>
+</file>
+
+<file path=ppt/slides/slide24.xml><?xml version="1.0" encoding="utf-8"?>
+<p:sld xmlns:a="http://schemas.openxmlformats.org/drawingml/2006/main" xmlns:r="http://schemas.openxmlformats.org/officeDocument/2006/relationships" xmlns:p="http://schemas.openxmlformats.org/presentationml/2006/main">
+  <p:cSld>
+    <p:spTree>
+      <p:nvGrpSpPr>
+        <p:cNvPr id="1" name=""/>
+        <p:cNvGrpSpPr/>
+        <p:nvPr/>
+      </p:nvGrpSpPr>
+      <p:grpSpPr>
+        <a:xfrm>
+          <a:off x="0" y="0"/>
+          <a:ext cx="0" cy="0"/>
+          <a:chOff x="0" y="0"/>
+          <a:chExt cx="0" cy="0"/>
+        </a:xfrm>
+      </p:grpSpPr>
+      <p:sp>
+        <p:nvSpPr>
+          <p:cNvPr id="2" name="Title 1">
+            <a:extLst>
+              <a:ext uri="{FF2B5EF4-FFF2-40B4-BE49-F238E27FC236}">
+                <a16:creationId xmlns:a16="http://schemas.microsoft.com/office/drawing/2014/main" id="{2988B480-2244-4068-B58A-C8F2A56006A5}"/>
+              </a:ext>
+            </a:extLst>
+          </p:cNvPr>
+          <p:cNvSpPr>
+            <a:spLocks noGrp="1"/>
+          </p:cNvSpPr>
+          <p:nvPr>
+            <p:ph type="title"/>
+          </p:nvPr>
+        </p:nvSpPr>
+        <p:spPr/>
+        <p:txBody>
+          <a:bodyPr/>
+          <a:lstStyle/>
+          <a:p>
+            <a:r>
+              <a:rPr lang="en-US" dirty="0"/>
+              <a:t>Sub-components</a:t>
+            </a:r>
+            <a:endParaRPr lang="en-GB" dirty="0"/>
+          </a:p>
+        </p:txBody>
+      </p:sp>
+      <p:sp>
+        <p:nvSpPr>
+          <p:cNvPr id="3" name="Content Placeholder 2">
+            <a:extLst>
+              <a:ext uri="{FF2B5EF4-FFF2-40B4-BE49-F238E27FC236}">
+                <a16:creationId xmlns:a16="http://schemas.microsoft.com/office/drawing/2014/main" id="{499BB3AD-2CEE-EEE7-6CBA-8E82AAC87F3B}"/>
+              </a:ext>
+            </a:extLst>
+          </p:cNvPr>
+          <p:cNvSpPr>
+            <a:spLocks noGrp="1"/>
+          </p:cNvSpPr>
+          <p:nvPr>
+            <p:ph idx="1"/>
+          </p:nvPr>
+        </p:nvSpPr>
+        <p:spPr/>
+        <p:txBody>
+          <a:bodyPr/>
+          <a:lstStyle/>
+          <a:p>
+            <a:r>
+              <a:rPr lang="en-US" dirty="0"/>
+              <a:t>We saw how useful it was to iterate over a list of data</a:t>
+            </a:r>
+          </a:p>
+          <a:p>
+            <a:r>
+              <a:rPr lang="en-US" dirty="0"/>
+              <a:t>But what if our data is complex?</a:t>
+            </a:r>
+          </a:p>
+          <a:p>
+            <a:r>
+              <a:rPr lang="en-US" dirty="0"/>
+              <a:t>It is often cleaner to encapsulate the rendering </a:t>
+            </a:r>
+            <a:r>
+              <a:rPr lang="en-US" dirty="0" err="1"/>
+              <a:t>behaviour</a:t>
+            </a:r>
+            <a:r>
+              <a:rPr lang="en-US" dirty="0"/>
+              <a:t> for complex data in its own component</a:t>
+            </a:r>
+          </a:p>
+          <a:p>
+            <a:endParaRPr lang="en-US" dirty="0"/>
+          </a:p>
+          <a:p>
+            <a:r>
+              <a:rPr lang="en-US" dirty="0"/>
+              <a:t>We can then use that component in our map function.</a:t>
+            </a:r>
+          </a:p>
+          <a:p>
+            <a:r>
+              <a:rPr lang="en-US" dirty="0"/>
+              <a:t>But: how do we get the data from one component to the other?</a:t>
+            </a:r>
+            <a:endParaRPr lang="en-GB" dirty="0"/>
+          </a:p>
+        </p:txBody>
+      </p:sp>
+    </p:spTree>
+    <p:extLst>
+      <p:ext uri="{BB962C8B-B14F-4D97-AF65-F5344CB8AC3E}">
+        <p14:creationId xmlns:p14="http://schemas.microsoft.com/office/powerpoint/2010/main" val="3042016141"/>
+      </p:ext>
+    </p:extLst>
+  </p:cSld>
+  <p:clrMapOvr>
+    <a:masterClrMapping/>
+  </p:clrMapOvr>
+</p:sld>
+</file>
+
+<file path=ppt/slides/slide25.xml><?xml version="1.0" encoding="utf-8"?>
+<p:sld xmlns:a="http://schemas.openxmlformats.org/drawingml/2006/main" xmlns:r="http://schemas.openxmlformats.org/officeDocument/2006/relationships" xmlns:p="http://schemas.openxmlformats.org/presentationml/2006/main">
+  <p:cSld>
+    <p:spTree>
+      <p:nvGrpSpPr>
+        <p:cNvPr id="1" name=""/>
+        <p:cNvGrpSpPr/>
+        <p:nvPr/>
+      </p:nvGrpSpPr>
+      <p:grpSpPr>
+        <a:xfrm>
+          <a:off x="0" y="0"/>
+          <a:ext cx="0" cy="0"/>
+          <a:chOff x="0" y="0"/>
+          <a:chExt cx="0" cy="0"/>
+        </a:xfrm>
+      </p:grpSpPr>
+      <p:sp>
+        <p:nvSpPr>
+          <p:cNvPr id="2" name="Title 1">
+            <a:extLst>
+              <a:ext uri="{FF2B5EF4-FFF2-40B4-BE49-F238E27FC236}">
+                <a16:creationId xmlns:a16="http://schemas.microsoft.com/office/drawing/2014/main" id="{0B040F39-F680-E426-26F9-247B236B4B90}"/>
+              </a:ext>
+            </a:extLst>
+          </p:cNvPr>
+          <p:cNvSpPr>
+            <a:spLocks noGrp="1"/>
+          </p:cNvSpPr>
+          <p:nvPr>
+            <p:ph type="title"/>
+          </p:nvPr>
+        </p:nvSpPr>
+        <p:spPr/>
+        <p:txBody>
+          <a:bodyPr/>
+          <a:lstStyle/>
+          <a:p>
+            <a:r>
+              <a:rPr lang="en-US" dirty="0"/>
+              <a:t>Props</a:t>
+            </a:r>
+            <a:endParaRPr lang="en-GB" dirty="0"/>
+          </a:p>
+        </p:txBody>
+      </p:sp>
+      <p:sp>
+        <p:nvSpPr>
+          <p:cNvPr id="3" name="Content Placeholder 2">
+            <a:extLst>
+              <a:ext uri="{FF2B5EF4-FFF2-40B4-BE49-F238E27FC236}">
+                <a16:creationId xmlns:a16="http://schemas.microsoft.com/office/drawing/2014/main" id="{EACA76EF-92E1-4138-1E83-019F5930837F}"/>
+              </a:ext>
+            </a:extLst>
+          </p:cNvPr>
+          <p:cNvSpPr>
+            <a:spLocks noGrp="1"/>
+          </p:cNvSpPr>
+          <p:nvPr>
+            <p:ph idx="1"/>
+          </p:nvPr>
+        </p:nvSpPr>
+        <p:spPr/>
+        <p:txBody>
+          <a:bodyPr/>
+          <a:lstStyle/>
+          <a:p>
+            <a:r>
+              <a:rPr lang="en-US" dirty="0"/>
+              <a:t>Props allow us to pass data down the component tree.</a:t>
+            </a:r>
+          </a:p>
+          <a:p>
+            <a:r>
+              <a:rPr lang="en-US" dirty="0"/>
+              <a:t>A parent can give its children props.</a:t>
+            </a:r>
+          </a:p>
+          <a:p>
+            <a:endParaRPr lang="en-US" dirty="0"/>
+          </a:p>
+          <a:p>
+            <a:r>
+              <a:rPr lang="en-US" dirty="0"/>
+              <a:t>They look like HTML attributes:</a:t>
+            </a:r>
+          </a:p>
+          <a:p>
+            <a:pPr marL="0" indent="0">
+              <a:buNone/>
+            </a:pPr>
+            <a:r>
+              <a:rPr lang="en-US" dirty="0"/>
+              <a:t>	&lt;Item person={x} /&gt;</a:t>
+            </a:r>
+          </a:p>
+          <a:p>
+            <a:endParaRPr lang="en-US" dirty="0"/>
+          </a:p>
+          <a:p>
+            <a:pPr lvl="1"/>
+            <a:endParaRPr lang="en-GB" dirty="0"/>
+          </a:p>
+        </p:txBody>
+      </p:sp>
+    </p:spTree>
+    <p:extLst>
+      <p:ext uri="{BB962C8B-B14F-4D97-AF65-F5344CB8AC3E}">
+        <p14:creationId xmlns:p14="http://schemas.microsoft.com/office/powerpoint/2010/main" val="302484080"/>
+      </p:ext>
+    </p:extLst>
+  </p:cSld>
+  <p:clrMapOvr>
+    <a:masterClrMapping/>
+  </p:clrMapOvr>
+</p:sld>
+</file>
+
+<file path=ppt/slides/slide26.xml><?xml version="1.0" encoding="utf-8"?>
+<p:sld xmlns:a="http://schemas.openxmlformats.org/drawingml/2006/main" xmlns:r="http://schemas.openxmlformats.org/officeDocument/2006/relationships" xmlns:p="http://schemas.openxmlformats.org/presentationml/2006/main">
+  <p:cSld>
+    <p:spTree>
+      <p:nvGrpSpPr>
+        <p:cNvPr id="1" name=""/>
+        <p:cNvGrpSpPr/>
+        <p:nvPr/>
+      </p:nvGrpSpPr>
+      <p:grpSpPr>
+        <a:xfrm>
+          <a:off x="0" y="0"/>
+          <a:ext cx="0" cy="0"/>
+          <a:chOff x="0" y="0"/>
+          <a:chExt cx="0" cy="0"/>
+        </a:xfrm>
+      </p:grpSpPr>
+      <p:sp>
+        <p:nvSpPr>
+          <p:cNvPr id="2" name="Title 1">
+            <a:extLst>
+              <a:ext uri="{FF2B5EF4-FFF2-40B4-BE49-F238E27FC236}">
+                <a16:creationId xmlns:a16="http://schemas.microsoft.com/office/drawing/2014/main" id="{8A10F999-DC2D-5506-3047-38886342E5B0}"/>
+              </a:ext>
+            </a:extLst>
+          </p:cNvPr>
+          <p:cNvSpPr>
+            <a:spLocks noGrp="1"/>
+          </p:cNvSpPr>
+          <p:nvPr>
+            <p:ph type="title"/>
+          </p:nvPr>
+        </p:nvSpPr>
+        <p:spPr/>
+        <p:txBody>
+          <a:bodyPr/>
+          <a:lstStyle/>
+          <a:p>
+            <a:r>
+              <a:rPr lang="en-US" dirty="0"/>
+              <a:t>example</a:t>
+            </a:r>
+            <a:endParaRPr lang="en-GB" dirty="0"/>
+          </a:p>
+        </p:txBody>
+      </p:sp>
+      <p:sp>
+        <p:nvSpPr>
+          <p:cNvPr id="3" name="Content Placeholder 2">
+            <a:extLst>
+              <a:ext uri="{FF2B5EF4-FFF2-40B4-BE49-F238E27FC236}">
+                <a16:creationId xmlns:a16="http://schemas.microsoft.com/office/drawing/2014/main" id="{8B633812-55FB-4E58-DEFC-65E6C8B601B2}"/>
+              </a:ext>
+            </a:extLst>
+          </p:cNvPr>
+          <p:cNvSpPr>
+            <a:spLocks noGrp="1"/>
+          </p:cNvSpPr>
+          <p:nvPr>
+            <p:ph sz="half" idx="1"/>
+          </p:nvPr>
+        </p:nvSpPr>
+        <p:spPr/>
+        <p:txBody>
+          <a:bodyPr>
+            <a:normAutofit fontScale="62500" lnSpcReduction="20000"/>
+          </a:bodyPr>
+          <a:lstStyle/>
+          <a:p>
+            <a:pPr marL="0" indent="0">
+              <a:buNone/>
+            </a:pPr>
+            <a:r>
+              <a:rPr lang="en-US" dirty="0"/>
+              <a:t>//</a:t>
+            </a:r>
+            <a:r>
+              <a:rPr lang="en-US" dirty="0" err="1"/>
+              <a:t>List.jsx</a:t>
+            </a:r>
+            <a:endParaRPr lang="en-US" dirty="0"/>
+          </a:p>
+          <a:p>
+            <a:pPr marL="0" indent="0">
+              <a:buNone/>
+            </a:pPr>
+            <a:r>
+              <a:rPr lang="en-GB" dirty="0"/>
+              <a:t>Import react from “react”</a:t>
+            </a:r>
+          </a:p>
+          <a:p>
+            <a:pPr marL="0" indent="0">
+              <a:buNone/>
+            </a:pPr>
+            <a:endParaRPr lang="en-GB" dirty="0"/>
+          </a:p>
+          <a:p>
+            <a:pPr marL="0" indent="0">
+              <a:buNone/>
+            </a:pPr>
+            <a:r>
+              <a:rPr lang="en-GB" dirty="0"/>
+              <a:t>Import Item from “./item”</a:t>
+            </a:r>
+          </a:p>
+          <a:p>
+            <a:pPr marL="0" indent="0">
+              <a:buNone/>
+            </a:pPr>
+            <a:endParaRPr lang="en-GB" dirty="0"/>
+          </a:p>
+          <a:p>
+            <a:pPr marL="0" indent="0">
+              <a:buNone/>
+            </a:pPr>
+            <a:r>
+              <a:rPr lang="en-GB" dirty="0"/>
+              <a:t>Let List = () =&gt; {</a:t>
+            </a:r>
+          </a:p>
+          <a:p>
+            <a:pPr marL="0" indent="0">
+              <a:buNone/>
+            </a:pPr>
+            <a:r>
+              <a:rPr lang="en-GB" dirty="0"/>
+              <a:t>	let data = [{name: ”jake”, age:20}]</a:t>
+            </a:r>
+          </a:p>
+          <a:p>
+            <a:pPr marL="0" indent="0">
+              <a:buNone/>
+            </a:pPr>
+            <a:r>
+              <a:rPr lang="en-GB" dirty="0"/>
+              <a:t>	</a:t>
+            </a:r>
+          </a:p>
+          <a:p>
+            <a:pPr marL="0" indent="0">
+              <a:buNone/>
+            </a:pPr>
+            <a:r>
+              <a:rPr lang="en-GB" dirty="0"/>
+              <a:t>	return &lt;</a:t>
+            </a:r>
+            <a:r>
+              <a:rPr lang="en-GB" dirty="0" err="1"/>
+              <a:t>ul</a:t>
+            </a:r>
+            <a:r>
+              <a:rPr lang="en-GB" dirty="0"/>
+              <a:t>&gt;</a:t>
+            </a:r>
+          </a:p>
+          <a:p>
+            <a:pPr marL="0" indent="0">
+              <a:buNone/>
+            </a:pPr>
+            <a:r>
+              <a:rPr lang="en-GB" dirty="0"/>
+              <a:t>	{</a:t>
+            </a:r>
+            <a:r>
+              <a:rPr lang="en-GB" dirty="0" err="1"/>
+              <a:t>data.map</a:t>
+            </a:r>
+            <a:r>
+              <a:rPr lang="en-GB" dirty="0"/>
+              <a:t>(each=&gt;&lt;item person={each} /&gt; )}</a:t>
+            </a:r>
+          </a:p>
+          <a:p>
+            <a:pPr marL="0" indent="0">
+              <a:buNone/>
+            </a:pPr>
+            <a:r>
+              <a:rPr lang="en-GB" dirty="0"/>
+              <a:t>	&lt;/</a:t>
+            </a:r>
+            <a:r>
+              <a:rPr lang="en-GB" dirty="0" err="1"/>
+              <a:t>ul</a:t>
+            </a:r>
+            <a:r>
+              <a:rPr lang="en-GB" dirty="0"/>
+              <a:t>&gt;</a:t>
+            </a:r>
+          </a:p>
+          <a:p>
+            <a:pPr marL="0" indent="0">
+              <a:buNone/>
+            </a:pPr>
+            <a:r>
+              <a:rPr lang="en-GB" dirty="0"/>
+              <a:t>}</a:t>
+            </a:r>
+          </a:p>
+          <a:p>
+            <a:pPr marL="0" indent="0">
+              <a:buNone/>
+            </a:pPr>
+            <a:r>
+              <a:rPr lang="en-GB" dirty="0"/>
+              <a:t>Export default list</a:t>
+            </a:r>
+            <a:endParaRPr lang="en-US" dirty="0"/>
+          </a:p>
+        </p:txBody>
+      </p:sp>
+      <p:sp>
+        <p:nvSpPr>
+          <p:cNvPr id="4" name="Content Placeholder 3">
+            <a:extLst>
+              <a:ext uri="{FF2B5EF4-FFF2-40B4-BE49-F238E27FC236}">
+                <a16:creationId xmlns:a16="http://schemas.microsoft.com/office/drawing/2014/main" id="{89AFE665-13FF-10DA-07B0-D0AD07E33400}"/>
+              </a:ext>
+            </a:extLst>
+          </p:cNvPr>
+          <p:cNvSpPr>
+            <a:spLocks noGrp="1"/>
+          </p:cNvSpPr>
+          <p:nvPr>
+            <p:ph sz="half" idx="2"/>
+          </p:nvPr>
+        </p:nvSpPr>
+        <p:spPr/>
+        <p:txBody>
+          <a:bodyPr>
+            <a:normAutofit fontScale="62500" lnSpcReduction="20000"/>
+          </a:bodyPr>
+          <a:lstStyle/>
+          <a:p>
+            <a:pPr marL="0" indent="0">
+              <a:buNone/>
+            </a:pPr>
+            <a:r>
+              <a:rPr lang="en-US" dirty="0"/>
+              <a:t>//</a:t>
+            </a:r>
+            <a:r>
+              <a:rPr lang="en-US" dirty="0" err="1"/>
+              <a:t>Item.jsx</a:t>
+            </a:r>
+            <a:endParaRPr lang="en-US" dirty="0"/>
+          </a:p>
+          <a:p>
+            <a:pPr marL="0" indent="0">
+              <a:buNone/>
+            </a:pPr>
+            <a:r>
+              <a:rPr lang="en-US" dirty="0"/>
+              <a:t>Import react from “react”</a:t>
+            </a:r>
+          </a:p>
+          <a:p>
+            <a:pPr marL="0" indent="0">
+              <a:buNone/>
+            </a:pPr>
+            <a:endParaRPr lang="en-US" dirty="0"/>
+          </a:p>
+          <a:p>
+            <a:pPr marL="0" indent="0">
+              <a:buNone/>
+            </a:pPr>
+            <a:r>
+              <a:rPr lang="en-US" dirty="0"/>
+              <a:t>Let Item = ({ person:{name, age} }) =&gt; {</a:t>
+            </a:r>
+          </a:p>
+          <a:p>
+            <a:pPr marL="0" indent="0">
+              <a:buNone/>
+            </a:pPr>
+            <a:r>
+              <a:rPr lang="en-US" dirty="0"/>
+              <a:t>	return &lt;li&gt;</a:t>
+            </a:r>
+          </a:p>
+          <a:p>
+            <a:pPr marL="0" indent="0">
+              <a:buNone/>
+            </a:pPr>
+            <a:r>
+              <a:rPr lang="en-US" dirty="0"/>
+              <a:t>	&lt;p&gt;{name} is {age} years old&lt;/p&gt;</a:t>
+            </a:r>
+          </a:p>
+          <a:p>
+            <a:pPr marL="0" indent="0">
+              <a:buNone/>
+            </a:pPr>
+            <a:r>
+              <a:rPr lang="en-US" dirty="0"/>
+              <a:t>	&lt;/li&gt;</a:t>
+            </a:r>
+          </a:p>
+          <a:p>
+            <a:pPr marL="0" indent="0">
+              <a:buNone/>
+            </a:pPr>
+            <a:r>
+              <a:rPr lang="en-US" dirty="0"/>
+              <a:t>}</a:t>
+            </a:r>
+          </a:p>
+          <a:p>
+            <a:pPr marL="0" indent="0">
+              <a:buNone/>
+            </a:pPr>
+            <a:endParaRPr lang="en-GB" dirty="0"/>
+          </a:p>
+        </p:txBody>
+      </p:sp>
+    </p:spTree>
+    <p:extLst>
+      <p:ext uri="{BB962C8B-B14F-4D97-AF65-F5344CB8AC3E}">
+        <p14:creationId xmlns:p14="http://schemas.microsoft.com/office/powerpoint/2010/main" val="455647647"/>
+      </p:ext>
+    </p:extLst>
+  </p:cSld>
+  <p:clrMapOvr>
+    <a:masterClrMapping/>
+  </p:clrMapOvr>
+</p:sld>
+</file>
+
+<file path=ppt/slides/slide27.xml><?xml version="1.0" encoding="utf-8"?>
+<p:sld xmlns:a="http://schemas.openxmlformats.org/drawingml/2006/main" xmlns:r="http://schemas.openxmlformats.org/officeDocument/2006/relationships" xmlns:p="http://schemas.openxmlformats.org/presentationml/2006/main">
+  <p:cSld>
+    <p:spTree>
+      <p:nvGrpSpPr>
+        <p:cNvPr id="1" name=""/>
+        <p:cNvGrpSpPr/>
+        <p:nvPr/>
+      </p:nvGrpSpPr>
+      <p:grpSpPr>
+        <a:xfrm>
+          <a:off x="0" y="0"/>
+          <a:ext cx="0" cy="0"/>
+          <a:chOff x="0" y="0"/>
+          <a:chExt cx="0" cy="0"/>
+        </a:xfrm>
+      </p:grpSpPr>
+      <p:sp>
+        <p:nvSpPr>
+          <p:cNvPr id="2" name="Title 1">
+            <a:extLst>
+              <a:ext uri="{FF2B5EF4-FFF2-40B4-BE49-F238E27FC236}">
+                <a16:creationId xmlns:a16="http://schemas.microsoft.com/office/drawing/2014/main" id="{8289220C-FF77-86E2-B7D7-F78B1C405379}"/>
+              </a:ext>
+            </a:extLst>
+          </p:cNvPr>
+          <p:cNvSpPr>
+            <a:spLocks noGrp="1"/>
+          </p:cNvSpPr>
+          <p:nvPr>
+            <p:ph type="title"/>
+          </p:nvPr>
+        </p:nvSpPr>
+        <p:spPr/>
+        <p:txBody>
+          <a:bodyPr/>
+          <a:lstStyle/>
+          <a:p>
+            <a:r>
+              <a:rPr lang="en-US" dirty="0"/>
+              <a:t>Note:</a:t>
+            </a:r>
+            <a:endParaRPr lang="en-GB" dirty="0"/>
+          </a:p>
+        </p:txBody>
+      </p:sp>
+      <p:sp>
+        <p:nvSpPr>
+          <p:cNvPr id="3" name="Content Placeholder 2">
+            <a:extLst>
+              <a:ext uri="{FF2B5EF4-FFF2-40B4-BE49-F238E27FC236}">
+                <a16:creationId xmlns:a16="http://schemas.microsoft.com/office/drawing/2014/main" id="{B7C6A494-EC7E-9D90-E1E6-425503542D1A}"/>
+              </a:ext>
+            </a:extLst>
+          </p:cNvPr>
+          <p:cNvSpPr>
+            <a:spLocks noGrp="1"/>
+          </p:cNvSpPr>
+          <p:nvPr>
+            <p:ph idx="1"/>
+          </p:nvPr>
+        </p:nvSpPr>
+        <p:spPr/>
+        <p:txBody>
+          <a:bodyPr/>
+          <a:lstStyle/>
+          <a:p>
+            <a:r>
+              <a:rPr lang="en-US" dirty="0" err="1"/>
+              <a:t>Destructuring</a:t>
+            </a:r>
+            <a:r>
+              <a:rPr lang="en-US" dirty="0"/>
+              <a:t> assignment is key to clean react/JS code</a:t>
+            </a:r>
+          </a:p>
+          <a:p>
+            <a:endParaRPr lang="en-US" dirty="0"/>
+          </a:p>
+          <a:p>
+            <a:r>
+              <a:rPr lang="en-US" dirty="0"/>
+              <a:t>We build components to organize our code; so we may use them in many contexts, not just the list example I just showed you.</a:t>
+            </a:r>
+          </a:p>
+          <a:p>
+            <a:endParaRPr lang="en-US" dirty="0"/>
+          </a:p>
+          <a:p>
+            <a:r>
+              <a:rPr lang="en-US" dirty="0"/>
+              <a:t>Data can (generally) only flow down the component tree (via props).</a:t>
+            </a:r>
+          </a:p>
+          <a:p>
+            <a:pPr lvl="1"/>
+            <a:r>
+              <a:rPr lang="en-US" dirty="0"/>
+              <a:t>This brings up the idea of “lifting up” state – but we can talk about that later.</a:t>
+            </a:r>
+            <a:endParaRPr lang="en-GB" dirty="0"/>
+          </a:p>
+        </p:txBody>
+      </p:sp>
+    </p:spTree>
+    <p:extLst>
+      <p:ext uri="{BB962C8B-B14F-4D97-AF65-F5344CB8AC3E}">
+        <p14:creationId xmlns:p14="http://schemas.microsoft.com/office/powerpoint/2010/main" val="765309163"/>
+      </p:ext>
+    </p:extLst>
+  </p:cSld>
+  <p:clrMapOvr>
+    <a:masterClrMapping/>
+  </p:clrMapOvr>
+</p:sld>
+</file>
+
+<file path=ppt/slides/slide28.xml><?xml version="1.0" encoding="utf-8"?>
+<p:sld xmlns:a="http://schemas.openxmlformats.org/drawingml/2006/main" xmlns:r="http://schemas.openxmlformats.org/officeDocument/2006/relationships" xmlns:p="http://schemas.openxmlformats.org/presentationml/2006/main">
+  <p:cSld>
+    <p:spTree>
+      <p:nvGrpSpPr>
+        <p:cNvPr id="1" name=""/>
+        <p:cNvGrpSpPr/>
+        <p:nvPr/>
+      </p:nvGrpSpPr>
+      <p:grpSpPr>
+        <a:xfrm>
+          <a:off x="0" y="0"/>
+          <a:ext cx="0" cy="0"/>
+          <a:chOff x="0" y="0"/>
+          <a:chExt cx="0" cy="0"/>
+        </a:xfrm>
+      </p:grpSpPr>
+      <p:sp>
+        <p:nvSpPr>
+          <p:cNvPr id="2" name="Title 1">
+            <a:extLst>
+              <a:ext uri="{FF2B5EF4-FFF2-40B4-BE49-F238E27FC236}">
+                <a16:creationId xmlns:a16="http://schemas.microsoft.com/office/drawing/2014/main" id="{7CF9B83D-A26C-EF1F-308F-7974B1DD692E}"/>
+              </a:ext>
+            </a:extLst>
+          </p:cNvPr>
+          <p:cNvSpPr>
+            <a:spLocks noGrp="1"/>
+          </p:cNvSpPr>
+          <p:nvPr>
+            <p:ph type="title"/>
+          </p:nvPr>
+        </p:nvSpPr>
+        <p:spPr/>
+        <p:txBody>
+          <a:bodyPr/>
+          <a:lstStyle/>
+          <a:p>
+            <a:r>
+              <a:rPr lang="en-GB" dirty="0"/>
+              <a:t>Some useful resources</a:t>
+            </a:r>
+          </a:p>
+        </p:txBody>
+      </p:sp>
+      <p:sp>
+        <p:nvSpPr>
+          <p:cNvPr id="3" name="Content Placeholder 2">
+            <a:extLst>
+              <a:ext uri="{FF2B5EF4-FFF2-40B4-BE49-F238E27FC236}">
+                <a16:creationId xmlns:a16="http://schemas.microsoft.com/office/drawing/2014/main" id="{5FE32340-E2AC-94AD-FC3C-6722F9FF0574}"/>
+              </a:ext>
+            </a:extLst>
+          </p:cNvPr>
+          <p:cNvSpPr>
+            <a:spLocks noGrp="1"/>
+          </p:cNvSpPr>
+          <p:nvPr>
+            <p:ph idx="1"/>
+          </p:nvPr>
+        </p:nvSpPr>
+        <p:spPr/>
+        <p:txBody>
+          <a:bodyPr/>
+          <a:lstStyle/>
+          <a:p>
+            <a:pPr marL="0" indent="0">
+              <a:buNone/>
+            </a:pPr>
+            <a:r>
+              <a:rPr lang="en-US" dirty="0"/>
+              <a:t>Practice:</a:t>
+            </a:r>
+          </a:p>
+          <a:p>
+            <a:r>
+              <a:rPr lang="en-GB" dirty="0"/>
+              <a:t>Build a to-do app </a:t>
+            </a:r>
+          </a:p>
+          <a:p>
+            <a:pPr lvl="1"/>
+            <a:r>
+              <a:rPr lang="en-GB" dirty="0"/>
+              <a:t>like Microsoft to-do</a:t>
+            </a:r>
+          </a:p>
+          <a:p>
+            <a:r>
+              <a:rPr lang="en-GB" dirty="0"/>
+              <a:t>The bundler is already configured</a:t>
+            </a:r>
+          </a:p>
+          <a:p>
+            <a:r>
+              <a:rPr lang="en-GB" dirty="0"/>
+              <a:t>We can work together or individually – but the idea is that you will write some react and get used to it.</a:t>
+            </a:r>
+          </a:p>
+        </p:txBody>
+      </p:sp>
+      <p:sp>
+        <p:nvSpPr>
+          <p:cNvPr id="4" name="Text Placeholder 3">
+            <a:extLst>
+              <a:ext uri="{FF2B5EF4-FFF2-40B4-BE49-F238E27FC236}">
+                <a16:creationId xmlns:a16="http://schemas.microsoft.com/office/drawing/2014/main" id="{5781E2ED-72A6-E42F-6D4F-3DF18AE7B446}"/>
+              </a:ext>
+            </a:extLst>
+          </p:cNvPr>
+          <p:cNvSpPr>
+            <a:spLocks noGrp="1"/>
+          </p:cNvSpPr>
+          <p:nvPr>
+            <p:ph type="body" sz="half" idx="2"/>
+          </p:nvPr>
+        </p:nvSpPr>
+        <p:spPr/>
+        <p:txBody>
+          <a:bodyPr/>
+          <a:lstStyle/>
+          <a:p>
+            <a:r>
+              <a:rPr lang="en-GB" dirty="0"/>
+              <a:t>React hooks docs: (</a:t>
+            </a:r>
+            <a:r>
+              <a:rPr lang="en-GB" dirty="0">
+                <a:hlinkClick r:id="rId2"/>
+              </a:rPr>
+              <a:t>https://reactjs.org/docs/hooks-reference.html</a:t>
+            </a:r>
+            <a:r>
+              <a:rPr lang="en-GB" dirty="0"/>
+              <a:t>)</a:t>
+            </a:r>
+          </a:p>
+          <a:p>
+            <a:r>
+              <a:rPr lang="en-GB" dirty="0"/>
+              <a:t>MDN JS docs: (</a:t>
+            </a:r>
+            <a:r>
+              <a:rPr lang="en-GB" dirty="0">
+                <a:hlinkClick r:id="rId3"/>
+              </a:rPr>
+              <a:t>https://developer.mozilla.org/en-US/docs/Web/JavaScript/Reference</a:t>
+            </a:r>
+            <a:r>
+              <a:rPr lang="en-GB" dirty="0"/>
+              <a:t>)</a:t>
+            </a:r>
+          </a:p>
+          <a:p>
+            <a:endParaRPr lang="en-GB" dirty="0"/>
+          </a:p>
+        </p:txBody>
+      </p:sp>
+    </p:spTree>
+    <p:extLst>
+      <p:ext uri="{BB962C8B-B14F-4D97-AF65-F5344CB8AC3E}">
+        <p14:creationId xmlns:p14="http://schemas.microsoft.com/office/powerpoint/2010/main" val="337097376"/>
+      </p:ext>
+    </p:extLst>
+  </p:cSld>
+  <p:clrMapOvr>
+    <a:masterClrMapping/>
+  </p:clrMapOvr>
+</p:sld>
+</file>
+
+<file path=ppt/slides/slide29.xml><?xml version="1.0" encoding="utf-8"?>
+<p:sld xmlns:a="http://schemas.openxmlformats.org/drawingml/2006/main" xmlns:r="http://schemas.openxmlformats.org/officeDocument/2006/relationships" xmlns:p="http://schemas.openxmlformats.org/presentationml/2006/main">
+  <p:cSld>
+    <p:spTree>
+      <p:nvGrpSpPr>
+        <p:cNvPr id="1" name=""/>
+        <p:cNvGrpSpPr/>
+        <p:nvPr/>
+      </p:nvGrpSpPr>
+      <p:grpSpPr>
+        <a:xfrm>
+          <a:off x="0" y="0"/>
+          <a:ext cx="0" cy="0"/>
+          <a:chOff x="0" y="0"/>
+          <a:chExt cx="0" cy="0"/>
+        </a:xfrm>
+      </p:grpSpPr>
+      <p:sp>
+        <p:nvSpPr>
+          <p:cNvPr id="2" name="Title 1">
+            <a:extLst>
+              <a:ext uri="{FF2B5EF4-FFF2-40B4-BE49-F238E27FC236}">
+                <a16:creationId xmlns:a16="http://schemas.microsoft.com/office/drawing/2014/main" id="{2B057FAE-7B9F-519B-42CA-ADA7218C1B52}"/>
+              </a:ext>
+            </a:extLst>
+          </p:cNvPr>
+          <p:cNvSpPr>
+            <a:spLocks noGrp="1"/>
+          </p:cNvSpPr>
+          <p:nvPr>
+            <p:ph type="title"/>
+          </p:nvPr>
+        </p:nvSpPr>
+        <p:spPr/>
+        <p:txBody>
+          <a:bodyPr/>
+          <a:lstStyle/>
+          <a:p>
+            <a:br>
+              <a:rPr lang="en-US" dirty="0"/>
+            </a:br>
+            <a:r>
+              <a:rPr lang="en-GB" dirty="0"/>
+              <a:t>Extra reference slides</a:t>
+            </a:r>
+          </a:p>
+        </p:txBody>
+      </p:sp>
+      <p:sp>
+        <p:nvSpPr>
+          <p:cNvPr id="3" name="Text Placeholder 2">
+            <a:extLst>
+              <a:ext uri="{FF2B5EF4-FFF2-40B4-BE49-F238E27FC236}">
+                <a16:creationId xmlns:a16="http://schemas.microsoft.com/office/drawing/2014/main" id="{AF67FDBE-83CF-0FA2-1BDE-DB96377A5344}"/>
+              </a:ext>
+            </a:extLst>
+          </p:cNvPr>
+          <p:cNvSpPr>
+            <a:spLocks noGrp="1"/>
+          </p:cNvSpPr>
+          <p:nvPr>
+            <p:ph type="body" idx="1"/>
+          </p:nvPr>
+        </p:nvSpPr>
+        <p:spPr/>
+        <p:txBody>
+          <a:bodyPr/>
+          <a:lstStyle/>
+          <a:p>
+            <a:r>
+              <a:rPr lang="en-US" dirty="0"/>
+              <a:t>“How do I X?”</a:t>
+            </a:r>
+            <a:endParaRPr lang="en-GB" dirty="0"/>
+          </a:p>
+        </p:txBody>
+      </p:sp>
+    </p:spTree>
+    <p:extLst>
+      <p:ext uri="{BB962C8B-B14F-4D97-AF65-F5344CB8AC3E}">
+        <p14:creationId xmlns:p14="http://schemas.microsoft.com/office/powerpoint/2010/main" val="2945506921"/>
       </p:ext>
     </p:extLst>
   </p:cSld>
@@ -4647,7 +6470,7 @@
           <p:cNvPr id="2" name="Title 1">
             <a:extLst>
               <a:ext uri="{FF2B5EF4-FFF2-40B4-BE49-F238E27FC236}">
-                <a16:creationId xmlns:a16="http://schemas.microsoft.com/office/drawing/2014/main" id="{500686AB-B311-57D5-43FB-CAB5ABBAB806}"/>
+                <a16:creationId xmlns:a16="http://schemas.microsoft.com/office/drawing/2014/main" id="{337C55B7-B37A-0A41-26F4-C044959C2D29}"/>
               </a:ext>
             </a:extLst>
           </p:cNvPr>
@@ -4665,43 +6488,471 @@
           <a:p>
             <a:r>
               <a:rPr lang="en-GB" dirty="0"/>
-              <a:t>The 3 Core Web Languages</a:t>
-            </a:r>
-          </a:p>
-        </p:txBody>
-      </p:sp>
-      <p:sp>
-        <p:nvSpPr>
-          <p:cNvPr id="3" name="Text Placeholder 2">
-            <a:extLst>
-              <a:ext uri="{FF2B5EF4-FFF2-40B4-BE49-F238E27FC236}">
-                <a16:creationId xmlns:a16="http://schemas.microsoft.com/office/drawing/2014/main" id="{E4069FD1-55BB-2237-480A-E7E2978BBAD3}"/>
-              </a:ext>
-            </a:extLst>
-          </p:cNvPr>
-          <p:cNvSpPr>
-            <a:spLocks noGrp="1"/>
-          </p:cNvSpPr>
-          <p:nvPr>
-            <p:ph type="body" idx="1"/>
-          </p:nvPr>
-        </p:nvSpPr>
-        <p:spPr/>
-        <p:txBody>
-          <a:bodyPr/>
-          <a:lstStyle/>
-          <a:p>
-            <a:r>
-              <a:rPr lang="en-GB" dirty="0"/>
-              <a:t>And their roles</a:t>
-            </a:r>
+              <a:t>Key Concepts we will cover:</a:t>
+            </a:r>
+          </a:p>
+        </p:txBody>
+      </p:sp>
+      <p:sp>
+        <p:nvSpPr>
+          <p:cNvPr id="3" name="Content Placeholder 2">
+            <a:extLst>
+              <a:ext uri="{FF2B5EF4-FFF2-40B4-BE49-F238E27FC236}">
+                <a16:creationId xmlns:a16="http://schemas.microsoft.com/office/drawing/2014/main" id="{65988260-CF16-12E4-8F5A-CAA1D4E5C5BE}"/>
+              </a:ext>
+            </a:extLst>
+          </p:cNvPr>
+          <p:cNvSpPr>
+            <a:spLocks noGrp="1"/>
+          </p:cNvSpPr>
+          <p:nvPr>
+            <p:ph idx="1"/>
+          </p:nvPr>
+        </p:nvSpPr>
+        <p:spPr/>
+        <p:txBody>
+          <a:bodyPr/>
+          <a:lstStyle/>
+          <a:p>
+            <a:r>
+              <a:rPr lang="en-GB" dirty="0"/>
+              <a:t>Components (11-12)</a:t>
+            </a:r>
+          </a:p>
+          <a:p>
+            <a:r>
+              <a:rPr lang="en-GB" dirty="0"/>
+              <a:t>Hooks</a:t>
+            </a:r>
+          </a:p>
+          <a:p>
+            <a:pPr lvl="1"/>
+            <a:r>
+              <a:rPr lang="en-GB" dirty="0"/>
+              <a:t>State</a:t>
+            </a:r>
+          </a:p>
+          <a:p>
+            <a:pPr lvl="1"/>
+            <a:r>
+              <a:rPr lang="en-GB" dirty="0"/>
+              <a:t>effects</a:t>
+            </a:r>
+          </a:p>
+          <a:p>
+            <a:r>
+              <a:rPr lang="en-GB" dirty="0"/>
+              <a:t>Iteration</a:t>
+            </a:r>
+          </a:p>
+          <a:p>
+            <a:r>
+              <a:rPr lang="en-GB" dirty="0"/>
+              <a:t>Props</a:t>
+            </a:r>
+          </a:p>
+          <a:p>
+            <a:endParaRPr lang="en-GB" dirty="0"/>
+          </a:p>
+          <a:p>
+            <a:endParaRPr lang="en-GB" dirty="0"/>
           </a:p>
         </p:txBody>
       </p:sp>
     </p:spTree>
     <p:extLst>
       <p:ext uri="{BB962C8B-B14F-4D97-AF65-F5344CB8AC3E}">
-        <p14:creationId xmlns:p14="http://schemas.microsoft.com/office/powerpoint/2010/main" val="11059234"/>
+        <p14:creationId xmlns:p14="http://schemas.microsoft.com/office/powerpoint/2010/main" val="37838009"/>
+      </p:ext>
+    </p:extLst>
+  </p:cSld>
+  <p:clrMapOvr>
+    <a:masterClrMapping/>
+  </p:clrMapOvr>
+</p:sld>
+</file>
+
+<file path=ppt/slides/slide30.xml><?xml version="1.0" encoding="utf-8"?>
+<p:sld xmlns:a="http://schemas.openxmlformats.org/drawingml/2006/main" xmlns:r="http://schemas.openxmlformats.org/officeDocument/2006/relationships" xmlns:p="http://schemas.openxmlformats.org/presentationml/2006/main">
+  <p:cSld>
+    <p:spTree>
+      <p:nvGrpSpPr>
+        <p:cNvPr id="1" name=""/>
+        <p:cNvGrpSpPr/>
+        <p:nvPr/>
+      </p:nvGrpSpPr>
+      <p:grpSpPr>
+        <a:xfrm>
+          <a:off x="0" y="0"/>
+          <a:ext cx="0" cy="0"/>
+          <a:chOff x="0" y="0"/>
+          <a:chExt cx="0" cy="0"/>
+        </a:xfrm>
+      </p:grpSpPr>
+      <p:sp>
+        <p:nvSpPr>
+          <p:cNvPr id="2" name="Title 1">
+            <a:extLst>
+              <a:ext uri="{FF2B5EF4-FFF2-40B4-BE49-F238E27FC236}">
+                <a16:creationId xmlns:a16="http://schemas.microsoft.com/office/drawing/2014/main" id="{7E6586A2-0714-87A8-0A8C-F09A0B99C743}"/>
+              </a:ext>
+            </a:extLst>
+          </p:cNvPr>
+          <p:cNvSpPr>
+            <a:spLocks noGrp="1"/>
+          </p:cNvSpPr>
+          <p:nvPr>
+            <p:ph type="title"/>
+          </p:nvPr>
+        </p:nvSpPr>
+        <p:spPr/>
+        <p:txBody>
+          <a:bodyPr/>
+          <a:lstStyle/>
+          <a:p>
+            <a:br>
+              <a:rPr lang="en-US" dirty="0"/>
+            </a:br>
+            <a:r>
+              <a:rPr lang="en-GB" dirty="0"/>
+              <a:t>How do I use a text input?</a:t>
+            </a:r>
+          </a:p>
+        </p:txBody>
+      </p:sp>
+      <p:sp>
+        <p:nvSpPr>
+          <p:cNvPr id="3" name="Content Placeholder 2">
+            <a:extLst>
+              <a:ext uri="{FF2B5EF4-FFF2-40B4-BE49-F238E27FC236}">
+                <a16:creationId xmlns:a16="http://schemas.microsoft.com/office/drawing/2014/main" id="{CFA5C245-9FDE-7E92-CA04-E496F521E20A}"/>
+              </a:ext>
+            </a:extLst>
+          </p:cNvPr>
+          <p:cNvSpPr>
+            <a:spLocks noGrp="1"/>
+          </p:cNvSpPr>
+          <p:nvPr>
+            <p:ph idx="1"/>
+          </p:nvPr>
+        </p:nvSpPr>
+        <p:spPr/>
+        <p:txBody>
+          <a:bodyPr>
+            <a:normAutofit fontScale="85000" lnSpcReduction="20000"/>
+          </a:bodyPr>
+          <a:lstStyle/>
+          <a:p>
+            <a:pPr marL="0" indent="0">
+              <a:buNone/>
+            </a:pPr>
+            <a:r>
+              <a:rPr lang="en-US" dirty="0"/>
+              <a:t>Import react from “react”</a:t>
+            </a:r>
+          </a:p>
+          <a:p>
+            <a:pPr marL="0" indent="0">
+              <a:buNone/>
+            </a:pPr>
+            <a:endParaRPr lang="en-US" dirty="0"/>
+          </a:p>
+          <a:p>
+            <a:pPr marL="0" indent="0">
+              <a:buNone/>
+            </a:pPr>
+            <a:r>
+              <a:rPr lang="en-US" dirty="0"/>
+              <a:t>Let comp = () =&gt; {</a:t>
+            </a:r>
+          </a:p>
+          <a:p>
+            <a:pPr marL="0" indent="0">
+              <a:buNone/>
+            </a:pPr>
+            <a:r>
+              <a:rPr lang="en-US" dirty="0"/>
+              <a:t>	let [text, </a:t>
+            </a:r>
+            <a:r>
+              <a:rPr lang="en-US" dirty="0" err="1"/>
+              <a:t>setText</a:t>
+            </a:r>
+            <a:r>
+              <a:rPr lang="en-US" dirty="0"/>
+              <a:t>] = </a:t>
+            </a:r>
+            <a:r>
+              <a:rPr lang="en-US" dirty="0" err="1"/>
+              <a:t>useState</a:t>
+            </a:r>
+            <a:r>
+              <a:rPr lang="en-US" dirty="0"/>
+              <a:t>(“”)</a:t>
+            </a:r>
+          </a:p>
+          <a:p>
+            <a:pPr marL="0" indent="0">
+              <a:buNone/>
+            </a:pPr>
+            <a:r>
+              <a:rPr lang="en-US" dirty="0"/>
+              <a:t>	return &lt;div&gt;</a:t>
+            </a:r>
+          </a:p>
+          <a:p>
+            <a:pPr marL="0" indent="0">
+              <a:buNone/>
+            </a:pPr>
+            <a:r>
+              <a:rPr lang="en-US" dirty="0"/>
+              <a:t>	&lt;input type=“text” value ={text}</a:t>
+            </a:r>
+          </a:p>
+          <a:p>
+            <a:pPr marL="0" indent="0">
+              <a:buNone/>
+            </a:pPr>
+            <a:r>
+              <a:rPr lang="en-US" dirty="0"/>
+              <a:t>		</a:t>
+            </a:r>
+            <a:r>
+              <a:rPr lang="en-US" dirty="0" err="1"/>
+              <a:t>onChange</a:t>
+            </a:r>
+            <a:r>
+              <a:rPr lang="en-US" dirty="0"/>
+              <a:t>={(e) =&gt; </a:t>
+            </a:r>
+            <a:r>
+              <a:rPr lang="en-US" dirty="0" err="1"/>
+              <a:t>setText</a:t>
+            </a:r>
+            <a:r>
+              <a:rPr lang="en-US" dirty="0"/>
+              <a:t>(</a:t>
+            </a:r>
+            <a:r>
+              <a:rPr lang="en-US" dirty="0" err="1"/>
+              <a:t>e.target.value</a:t>
+            </a:r>
+            <a:r>
+              <a:rPr lang="en-US" dirty="0"/>
+              <a:t>)} </a:t>
+            </a:r>
+          </a:p>
+          <a:p>
+            <a:pPr marL="0" indent="0">
+              <a:buNone/>
+            </a:pPr>
+            <a:r>
+              <a:rPr lang="en-US" dirty="0"/>
+              <a:t>	/&gt;</a:t>
+            </a:r>
+          </a:p>
+          <a:p>
+            <a:pPr marL="0" indent="0">
+              <a:buNone/>
+            </a:pPr>
+            <a:r>
+              <a:rPr lang="en-US" dirty="0"/>
+              <a:t>&lt;/div&gt;</a:t>
+            </a:r>
+          </a:p>
+          <a:p>
+            <a:pPr marL="0" indent="0">
+              <a:buNone/>
+            </a:pPr>
+            <a:r>
+              <a:rPr lang="en-US" dirty="0"/>
+              <a:t>}</a:t>
+            </a:r>
+          </a:p>
+          <a:p>
+            <a:pPr marL="0" indent="0">
+              <a:buNone/>
+            </a:pPr>
+            <a:r>
+              <a:rPr lang="en-US" dirty="0"/>
+              <a:t>Export default comp</a:t>
+            </a:r>
+            <a:endParaRPr lang="en-GB" dirty="0"/>
+          </a:p>
+        </p:txBody>
+      </p:sp>
+      <p:sp>
+        <p:nvSpPr>
+          <p:cNvPr id="4" name="Oval 3">
+            <a:extLst>
+              <a:ext uri="{FF2B5EF4-FFF2-40B4-BE49-F238E27FC236}">
+                <a16:creationId xmlns:a16="http://schemas.microsoft.com/office/drawing/2014/main" id="{AFD8F874-9E45-18F6-B1BD-72A614F9DBBE}"/>
+              </a:ext>
+            </a:extLst>
+          </p:cNvPr>
+          <p:cNvSpPr/>
+          <p:nvPr/>
+        </p:nvSpPr>
+        <p:spPr>
+          <a:xfrm rot="19862274">
+            <a:off x="9228667" y="953824"/>
+            <a:ext cx="2540000" cy="1608667"/>
+          </a:xfrm>
+          <a:prstGeom prst="ellipse">
+            <a:avLst/>
+          </a:prstGeom>
+        </p:spPr>
+        <p:style>
+          <a:lnRef idx="2">
+            <a:schemeClr val="accent1">
+              <a:shade val="50000"/>
+            </a:schemeClr>
+          </a:lnRef>
+          <a:fillRef idx="1">
+            <a:schemeClr val="accent1"/>
+          </a:fillRef>
+          <a:effectRef idx="0">
+            <a:schemeClr val="accent1"/>
+          </a:effectRef>
+          <a:fontRef idx="minor">
+            <a:schemeClr val="lt1"/>
+          </a:fontRef>
+        </p:style>
+        <p:txBody>
+          <a:bodyPr rtlCol="0" anchor="ctr"/>
+          <a:lstStyle/>
+          <a:p>
+            <a:pPr algn="ctr"/>
+            <a:r>
+              <a:rPr lang="en-US" dirty="0"/>
+              <a:t>This also works for </a:t>
+            </a:r>
+            <a:r>
+              <a:rPr lang="en-US" dirty="0" err="1"/>
+              <a:t>TextArea</a:t>
+            </a:r>
+            <a:r>
+              <a:rPr lang="en-US" dirty="0"/>
+              <a:t> elements!</a:t>
+            </a:r>
+            <a:endParaRPr lang="en-GB" dirty="0"/>
+          </a:p>
+        </p:txBody>
+      </p:sp>
+      <p:sp>
+        <p:nvSpPr>
+          <p:cNvPr id="5" name="Rectangle 4">
+            <a:extLst>
+              <a:ext uri="{FF2B5EF4-FFF2-40B4-BE49-F238E27FC236}">
+                <a16:creationId xmlns:a16="http://schemas.microsoft.com/office/drawing/2014/main" id="{2BBD4239-59D0-0D58-82FD-669C4C1CDB2A}"/>
+              </a:ext>
+            </a:extLst>
+          </p:cNvPr>
+          <p:cNvSpPr/>
+          <p:nvPr/>
+        </p:nvSpPr>
+        <p:spPr>
+          <a:xfrm>
+            <a:off x="4790077" y="4605868"/>
+            <a:ext cx="5698066" cy="1007533"/>
+          </a:xfrm>
+          <a:prstGeom prst="rect">
+            <a:avLst/>
+          </a:prstGeom>
+        </p:spPr>
+        <p:style>
+          <a:lnRef idx="2">
+            <a:schemeClr val="accent1">
+              <a:shade val="50000"/>
+            </a:schemeClr>
+          </a:lnRef>
+          <a:fillRef idx="1">
+            <a:schemeClr val="accent1"/>
+          </a:fillRef>
+          <a:effectRef idx="0">
+            <a:schemeClr val="accent1"/>
+          </a:effectRef>
+          <a:fontRef idx="minor">
+            <a:schemeClr val="lt1"/>
+          </a:fontRef>
+        </p:style>
+        <p:txBody>
+          <a:bodyPr rtlCol="0" anchor="ctr"/>
+          <a:lstStyle/>
+          <a:p>
+            <a:r>
+              <a:rPr lang="en-US" dirty="0"/>
+              <a:t>“e” is the change event – a generic event.</a:t>
+            </a:r>
+          </a:p>
+          <a:p>
+            <a:r>
+              <a:rPr lang="en-US" dirty="0"/>
+              <a:t>MDN docs: </a:t>
+            </a:r>
+          </a:p>
+          <a:p>
+            <a:r>
+              <a:rPr lang="en-GB" dirty="0"/>
+              <a:t>https://developer.mozilla.org/en-US/docs/Web/API/Event</a:t>
+            </a:r>
+          </a:p>
+        </p:txBody>
+      </p:sp>
+      <p:sp>
+        <p:nvSpPr>
+          <p:cNvPr id="6" name="Rectangle 5">
+            <a:extLst>
+              <a:ext uri="{FF2B5EF4-FFF2-40B4-BE49-F238E27FC236}">
+                <a16:creationId xmlns:a16="http://schemas.microsoft.com/office/drawing/2014/main" id="{7D6BD9FE-F6BB-52F3-FD60-06805BDE11EE}"/>
+              </a:ext>
+            </a:extLst>
+          </p:cNvPr>
+          <p:cNvSpPr/>
+          <p:nvPr/>
+        </p:nvSpPr>
+        <p:spPr>
+          <a:xfrm>
+            <a:off x="982134" y="6094942"/>
+            <a:ext cx="5113866" cy="397933"/>
+          </a:xfrm>
+          <a:prstGeom prst="rect">
+            <a:avLst/>
+          </a:prstGeom>
+        </p:spPr>
+        <p:style>
+          <a:lnRef idx="2">
+            <a:schemeClr val="accent1">
+              <a:shade val="50000"/>
+            </a:schemeClr>
+          </a:lnRef>
+          <a:fillRef idx="1">
+            <a:schemeClr val="accent1"/>
+          </a:fillRef>
+          <a:effectRef idx="0">
+            <a:schemeClr val="accent1"/>
+          </a:effectRef>
+          <a:fontRef idx="minor">
+            <a:schemeClr val="lt1"/>
+          </a:fontRef>
+        </p:style>
+        <p:txBody>
+          <a:bodyPr rtlCol="0" anchor="ctr"/>
+          <a:lstStyle/>
+          <a:p>
+            <a:pPr algn="ctr"/>
+            <a:r>
+              <a:rPr lang="en-US" dirty="0"/>
+              <a:t>The value of “text” is now bound to the input</a:t>
+            </a:r>
+            <a:endParaRPr lang="en-GB" dirty="0"/>
+          </a:p>
+        </p:txBody>
+      </p:sp>
+    </p:spTree>
+    <p:extLst>
+      <p:ext uri="{BB962C8B-B14F-4D97-AF65-F5344CB8AC3E}">
+        <p14:creationId xmlns:p14="http://schemas.microsoft.com/office/powerpoint/2010/main" val="2658590207"/>
       </p:ext>
     </p:extLst>
   </p:cSld>
@@ -4733,6 +6984,197 @@
           <p:cNvPr id="2" name="Title 1">
             <a:extLst>
               <a:ext uri="{FF2B5EF4-FFF2-40B4-BE49-F238E27FC236}">
+                <a16:creationId xmlns:a16="http://schemas.microsoft.com/office/drawing/2014/main" id="{EBC93EB3-EE18-4676-EEE1-A1463197CB82}"/>
+              </a:ext>
+            </a:extLst>
+          </p:cNvPr>
+          <p:cNvSpPr>
+            <a:spLocks noGrp="1"/>
+          </p:cNvSpPr>
+          <p:nvPr>
+            <p:ph type="title"/>
+          </p:nvPr>
+        </p:nvSpPr>
+        <p:spPr/>
+        <p:txBody>
+          <a:bodyPr/>
+          <a:lstStyle/>
+          <a:p>
+            <a:r>
+              <a:rPr lang="en-GB" dirty="0"/>
+              <a:t>I will not be covering:</a:t>
+            </a:r>
+          </a:p>
+        </p:txBody>
+      </p:sp>
+      <p:sp>
+        <p:nvSpPr>
+          <p:cNvPr id="3" name="Content Placeholder 2">
+            <a:extLst>
+              <a:ext uri="{FF2B5EF4-FFF2-40B4-BE49-F238E27FC236}">
+                <a16:creationId xmlns:a16="http://schemas.microsoft.com/office/drawing/2014/main" id="{A042537F-1ED8-567A-52DC-E78A3D9293EA}"/>
+              </a:ext>
+            </a:extLst>
+          </p:cNvPr>
+          <p:cNvSpPr>
+            <a:spLocks noGrp="1"/>
+          </p:cNvSpPr>
+          <p:nvPr>
+            <p:ph idx="1"/>
+          </p:nvPr>
+        </p:nvSpPr>
+        <p:spPr/>
+        <p:txBody>
+          <a:bodyPr/>
+          <a:lstStyle/>
+          <a:p>
+            <a:r>
+              <a:rPr lang="en-GB" dirty="0"/>
+              <a:t>CSS</a:t>
+            </a:r>
+          </a:p>
+          <a:p>
+            <a:r>
+              <a:rPr lang="en-GB" dirty="0"/>
+              <a:t>JS fundamentals </a:t>
+            </a:r>
+          </a:p>
+          <a:p>
+            <a:pPr lvl="1"/>
+            <a:r>
+              <a:rPr lang="en-GB" dirty="0"/>
+              <a:t>hopefully you will pick up some as we go</a:t>
+            </a:r>
+          </a:p>
+          <a:p>
+            <a:r>
+              <a:rPr lang="en-GB" dirty="0"/>
+              <a:t>Module bunders (they’re hard)</a:t>
+            </a:r>
+          </a:p>
+        </p:txBody>
+      </p:sp>
+    </p:spTree>
+    <p:extLst>
+      <p:ext uri="{BB962C8B-B14F-4D97-AF65-F5344CB8AC3E}">
+        <p14:creationId xmlns:p14="http://schemas.microsoft.com/office/powerpoint/2010/main" val="1193546456"/>
+      </p:ext>
+    </p:extLst>
+  </p:cSld>
+  <p:clrMapOvr>
+    <a:masterClrMapping/>
+  </p:clrMapOvr>
+</p:sld>
+</file>
+
+<file path=ppt/slides/slide5.xml><?xml version="1.0" encoding="utf-8"?>
+<p:sld xmlns:a="http://schemas.openxmlformats.org/drawingml/2006/main" xmlns:r="http://schemas.openxmlformats.org/officeDocument/2006/relationships" xmlns:p="http://schemas.openxmlformats.org/presentationml/2006/main">
+  <p:cSld>
+    <p:spTree>
+      <p:nvGrpSpPr>
+        <p:cNvPr id="1" name=""/>
+        <p:cNvGrpSpPr/>
+        <p:nvPr/>
+      </p:nvGrpSpPr>
+      <p:grpSpPr>
+        <a:xfrm>
+          <a:off x="0" y="0"/>
+          <a:ext cx="0" cy="0"/>
+          <a:chOff x="0" y="0"/>
+          <a:chExt cx="0" cy="0"/>
+        </a:xfrm>
+      </p:grpSpPr>
+      <p:sp>
+        <p:nvSpPr>
+          <p:cNvPr id="2" name="Title 1">
+            <a:extLst>
+              <a:ext uri="{FF2B5EF4-FFF2-40B4-BE49-F238E27FC236}">
+                <a16:creationId xmlns:a16="http://schemas.microsoft.com/office/drawing/2014/main" id="{500686AB-B311-57D5-43FB-CAB5ABBAB806}"/>
+              </a:ext>
+            </a:extLst>
+          </p:cNvPr>
+          <p:cNvSpPr>
+            <a:spLocks noGrp="1"/>
+          </p:cNvSpPr>
+          <p:nvPr>
+            <p:ph type="title"/>
+          </p:nvPr>
+        </p:nvSpPr>
+        <p:spPr/>
+        <p:txBody>
+          <a:bodyPr/>
+          <a:lstStyle/>
+          <a:p>
+            <a:r>
+              <a:rPr lang="en-GB" dirty="0"/>
+              <a:t>The 3 Core Web Languages</a:t>
+            </a:r>
+          </a:p>
+        </p:txBody>
+      </p:sp>
+      <p:sp>
+        <p:nvSpPr>
+          <p:cNvPr id="3" name="Text Placeholder 2">
+            <a:extLst>
+              <a:ext uri="{FF2B5EF4-FFF2-40B4-BE49-F238E27FC236}">
+                <a16:creationId xmlns:a16="http://schemas.microsoft.com/office/drawing/2014/main" id="{E4069FD1-55BB-2237-480A-E7E2978BBAD3}"/>
+              </a:ext>
+            </a:extLst>
+          </p:cNvPr>
+          <p:cNvSpPr>
+            <a:spLocks noGrp="1"/>
+          </p:cNvSpPr>
+          <p:nvPr>
+            <p:ph type="body" idx="1"/>
+          </p:nvPr>
+        </p:nvSpPr>
+        <p:spPr/>
+        <p:txBody>
+          <a:bodyPr/>
+          <a:lstStyle/>
+          <a:p>
+            <a:r>
+              <a:rPr lang="en-GB" dirty="0"/>
+              <a:t>And their roles</a:t>
+            </a:r>
+          </a:p>
+        </p:txBody>
+      </p:sp>
+    </p:spTree>
+    <p:extLst>
+      <p:ext uri="{BB962C8B-B14F-4D97-AF65-F5344CB8AC3E}">
+        <p14:creationId xmlns:p14="http://schemas.microsoft.com/office/powerpoint/2010/main" val="11059234"/>
+      </p:ext>
+    </p:extLst>
+  </p:cSld>
+  <p:clrMapOvr>
+    <a:masterClrMapping/>
+  </p:clrMapOvr>
+</p:sld>
+</file>
+
+<file path=ppt/slides/slide6.xml><?xml version="1.0" encoding="utf-8"?>
+<p:sld xmlns:a="http://schemas.openxmlformats.org/drawingml/2006/main" xmlns:r="http://schemas.openxmlformats.org/officeDocument/2006/relationships" xmlns:p="http://schemas.openxmlformats.org/presentationml/2006/main">
+  <p:cSld>
+    <p:spTree>
+      <p:nvGrpSpPr>
+        <p:cNvPr id="1" name=""/>
+        <p:cNvGrpSpPr/>
+        <p:nvPr/>
+      </p:nvGrpSpPr>
+      <p:grpSpPr>
+        <a:xfrm>
+          <a:off x="0" y="0"/>
+          <a:ext cx="0" cy="0"/>
+          <a:chOff x="0" y="0"/>
+          <a:chExt cx="0" cy="0"/>
+        </a:xfrm>
+      </p:grpSpPr>
+      <p:sp>
+        <p:nvSpPr>
+          <p:cNvPr id="2" name="Title 1">
+            <a:extLst>
+              <a:ext uri="{FF2B5EF4-FFF2-40B4-BE49-F238E27FC236}">
                 <a16:creationId xmlns:a16="http://schemas.microsoft.com/office/drawing/2014/main" id="{FEF70796-8952-08BA-1BEF-56F7AF12589F}"/>
               </a:ext>
             </a:extLst>
@@ -4843,7 +7285,7 @@
 </p:sld>
 </file>
 
-<file path=ppt/slides/slide5.xml><?xml version="1.0" encoding="utf-8"?>
+<file path=ppt/slides/slide7.xml><?xml version="1.0" encoding="utf-8"?>
 <p:sld xmlns:a="http://schemas.openxmlformats.org/drawingml/2006/main" xmlns:r="http://schemas.openxmlformats.org/officeDocument/2006/relationships" xmlns:p="http://schemas.openxmlformats.org/presentationml/2006/main">
   <p:cSld>
     <p:spTree>
@@ -4985,228 +7427,6 @@
 </p:sld>
 </file>
 
-<file path=ppt/slides/slide6.xml><?xml version="1.0" encoding="utf-8"?>
-<p:sld xmlns:a="http://schemas.openxmlformats.org/drawingml/2006/main" xmlns:r="http://schemas.openxmlformats.org/officeDocument/2006/relationships" xmlns:p="http://schemas.openxmlformats.org/presentationml/2006/main">
-  <p:cSld>
-    <p:spTree>
-      <p:nvGrpSpPr>
-        <p:cNvPr id="1" name=""/>
-        <p:cNvGrpSpPr/>
-        <p:nvPr/>
-      </p:nvGrpSpPr>
-      <p:grpSpPr>
-        <a:xfrm>
-          <a:off x="0" y="0"/>
-          <a:ext cx="0" cy="0"/>
-          <a:chOff x="0" y="0"/>
-          <a:chExt cx="0" cy="0"/>
-        </a:xfrm>
-      </p:grpSpPr>
-      <p:sp>
-        <p:nvSpPr>
-          <p:cNvPr id="2" name="Title 1">
-            <a:extLst>
-              <a:ext uri="{FF2B5EF4-FFF2-40B4-BE49-F238E27FC236}">
-                <a16:creationId xmlns:a16="http://schemas.microsoft.com/office/drawing/2014/main" id="{513C4D6B-53E6-B913-B9D6-DE853816CE4A}"/>
-              </a:ext>
-            </a:extLst>
-          </p:cNvPr>
-          <p:cNvSpPr>
-            <a:spLocks noGrp="1"/>
-          </p:cNvSpPr>
-          <p:nvPr>
-            <p:ph type="title"/>
-          </p:nvPr>
-        </p:nvSpPr>
-        <p:spPr/>
-        <p:txBody>
-          <a:bodyPr/>
-          <a:lstStyle/>
-          <a:p>
-            <a:r>
-              <a:rPr lang="en-GB" dirty="0"/>
-              <a:t>These goals have been well separated, but in reality they are closely related.</a:t>
-            </a:r>
-          </a:p>
-        </p:txBody>
-      </p:sp>
-      <p:sp>
-        <p:nvSpPr>
-          <p:cNvPr id="3" name="Text Placeholder 2">
-            <a:extLst>
-              <a:ext uri="{FF2B5EF4-FFF2-40B4-BE49-F238E27FC236}">
-                <a16:creationId xmlns:a16="http://schemas.microsoft.com/office/drawing/2014/main" id="{F78ABC9B-A7B1-19EC-36E5-A82F3B6717DA}"/>
-              </a:ext>
-            </a:extLst>
-          </p:cNvPr>
-          <p:cNvSpPr>
-            <a:spLocks noGrp="1"/>
-          </p:cNvSpPr>
-          <p:nvPr>
-            <p:ph type="body" idx="1"/>
-          </p:nvPr>
-        </p:nvSpPr>
-        <p:spPr/>
-        <p:txBody>
-          <a:bodyPr/>
-          <a:lstStyle/>
-          <a:p>
-            <a:endParaRPr lang="en-GB"/>
-          </a:p>
-        </p:txBody>
-      </p:sp>
-      <p:sp>
-        <p:nvSpPr>
-          <p:cNvPr id="6" name="Title 1">
-            <a:extLst>
-              <a:ext uri="{FF2B5EF4-FFF2-40B4-BE49-F238E27FC236}">
-                <a16:creationId xmlns:a16="http://schemas.microsoft.com/office/drawing/2014/main" id="{4E11D83D-40F2-D6D8-5061-0BEDACC12F7E}"/>
-              </a:ext>
-            </a:extLst>
-          </p:cNvPr>
-          <p:cNvSpPr txBox="1">
-            <a:spLocks/>
-          </p:cNvSpPr>
-          <p:nvPr/>
-        </p:nvSpPr>
-        <p:spPr>
-          <a:xfrm>
-            <a:off x="293785" y="942392"/>
-            <a:ext cx="10515600" cy="852002"/>
-          </a:xfrm>
-          <a:prstGeom prst="rect">
-            <a:avLst/>
-          </a:prstGeom>
-        </p:spPr>
-        <p:txBody>
-          <a:bodyPr vert="horz" lIns="91440" tIns="45720" rIns="91440" bIns="45720" rtlCol="0" anchor="b">
-            <a:normAutofit lnSpcReduction="10000"/>
-          </a:bodyPr>
-          <a:lstStyle>
-            <a:lvl1pPr algn="l" defTabSz="914400" rtl="0" eaLnBrk="1" latinLnBrk="0" hangingPunct="1">
-              <a:lnSpc>
-                <a:spcPct val="90000"/>
-              </a:lnSpc>
-              <a:spcBef>
-                <a:spcPct val="0"/>
-              </a:spcBef>
-              <a:buNone/>
-              <a:defRPr sz="6000" kern="1200">
-                <a:solidFill>
-                  <a:schemeClr val="tx1"/>
-                </a:solidFill>
-                <a:latin typeface="+mj-lt"/>
-                <a:ea typeface="+mj-ea"/>
-                <a:cs typeface="+mj-cs"/>
-              </a:defRPr>
-            </a:lvl1pPr>
-          </a:lstStyle>
-          <a:p>
-            <a:pPr algn="ctr"/>
-            <a:r>
-              <a:rPr lang="en-GB"/>
-              <a:t>The problem:</a:t>
-            </a:r>
-            <a:endParaRPr lang="en-GB" dirty="0"/>
-          </a:p>
-        </p:txBody>
-      </p:sp>
-    </p:spTree>
-    <p:extLst>
-      <p:ext uri="{BB962C8B-B14F-4D97-AF65-F5344CB8AC3E}">
-        <p14:creationId xmlns:p14="http://schemas.microsoft.com/office/powerpoint/2010/main" val="3974084224"/>
-      </p:ext>
-    </p:extLst>
-  </p:cSld>
-  <p:clrMapOvr>
-    <a:masterClrMapping/>
-  </p:clrMapOvr>
-</p:sld>
-</file>
-
-<file path=ppt/slides/slide7.xml><?xml version="1.0" encoding="utf-8"?>
-<p:sld xmlns:a="http://schemas.openxmlformats.org/drawingml/2006/main" xmlns:r="http://schemas.openxmlformats.org/officeDocument/2006/relationships" xmlns:p="http://schemas.openxmlformats.org/presentationml/2006/main">
-  <p:cSld>
-    <p:spTree>
-      <p:nvGrpSpPr>
-        <p:cNvPr id="1" name=""/>
-        <p:cNvGrpSpPr/>
-        <p:nvPr/>
-      </p:nvGrpSpPr>
-      <p:grpSpPr>
-        <a:xfrm>
-          <a:off x="0" y="0"/>
-          <a:ext cx="0" cy="0"/>
-          <a:chOff x="0" y="0"/>
-          <a:chExt cx="0" cy="0"/>
-        </a:xfrm>
-      </p:grpSpPr>
-      <p:sp>
-        <p:nvSpPr>
-          <p:cNvPr id="2" name="Title 1">
-            <a:extLst>
-              <a:ext uri="{FF2B5EF4-FFF2-40B4-BE49-F238E27FC236}">
-                <a16:creationId xmlns:a16="http://schemas.microsoft.com/office/drawing/2014/main" id="{5592494A-6FAA-C9E3-1C01-2173585BC399}"/>
-              </a:ext>
-            </a:extLst>
-          </p:cNvPr>
-          <p:cNvSpPr>
-            <a:spLocks noGrp="1"/>
-          </p:cNvSpPr>
-          <p:nvPr>
-            <p:ph type="title"/>
-          </p:nvPr>
-        </p:nvSpPr>
-        <p:spPr/>
-        <p:txBody>
-          <a:bodyPr/>
-          <a:lstStyle/>
-          <a:p>
-            <a:r>
-              <a:rPr lang="en-GB" dirty="0"/>
-              <a:t>In other words, an inappropriate separation of concerns.</a:t>
-            </a:r>
-          </a:p>
-        </p:txBody>
-      </p:sp>
-      <p:sp>
-        <p:nvSpPr>
-          <p:cNvPr id="3" name="Text Placeholder 2">
-            <a:extLst>
-              <a:ext uri="{FF2B5EF4-FFF2-40B4-BE49-F238E27FC236}">
-                <a16:creationId xmlns:a16="http://schemas.microsoft.com/office/drawing/2014/main" id="{DEECA097-D492-FDF3-24F5-81D0DE1206D6}"/>
-              </a:ext>
-            </a:extLst>
-          </p:cNvPr>
-          <p:cNvSpPr>
-            <a:spLocks noGrp="1"/>
-          </p:cNvSpPr>
-          <p:nvPr>
-            <p:ph type="body" idx="1"/>
-          </p:nvPr>
-        </p:nvSpPr>
-        <p:spPr/>
-        <p:txBody>
-          <a:bodyPr/>
-          <a:lstStyle/>
-          <a:p>
-            <a:endParaRPr lang="en-GB"/>
-          </a:p>
-        </p:txBody>
-      </p:sp>
-    </p:spTree>
-    <p:extLst>
-      <p:ext uri="{BB962C8B-B14F-4D97-AF65-F5344CB8AC3E}">
-        <p14:creationId xmlns:p14="http://schemas.microsoft.com/office/powerpoint/2010/main" val="3497452810"/>
-      </p:ext>
-    </p:extLst>
-  </p:cSld>
-  <p:clrMapOvr>
-    <a:masterClrMapping/>
-  </p:clrMapOvr>
-</p:sld>
-</file>
-
 <file path=ppt/slides/slide8.xml><?xml version="1.0" encoding="utf-8"?>
 <p:sld xmlns:a="http://schemas.openxmlformats.org/drawingml/2006/main" xmlns:r="http://schemas.openxmlformats.org/officeDocument/2006/relationships" xmlns:p="http://schemas.openxmlformats.org/presentationml/2006/main">
   <p:cSld>
@@ -5229,7 +7449,7 @@
           <p:cNvPr id="2" name="Title 1">
             <a:extLst>
               <a:ext uri="{FF2B5EF4-FFF2-40B4-BE49-F238E27FC236}">
-                <a16:creationId xmlns:a16="http://schemas.microsoft.com/office/drawing/2014/main" id="{4723CBB6-BD8A-30CC-8891-24336B3D7A70}"/>
+                <a16:creationId xmlns:a16="http://schemas.microsoft.com/office/drawing/2014/main" id="{513C4D6B-53E6-B913-B9D6-DE853816CE4A}"/>
               </a:ext>
             </a:extLst>
           </p:cNvPr>
@@ -5247,61 +7467,96 @@
           <a:p>
             <a:r>
               <a:rPr lang="en-GB" dirty="0"/>
-              <a:t>react</a:t>
-            </a:r>
-          </a:p>
-        </p:txBody>
-      </p:sp>
-      <p:sp>
-        <p:nvSpPr>
-          <p:cNvPr id="3" name="Content Placeholder 2">
-            <a:extLst>
-              <a:ext uri="{FF2B5EF4-FFF2-40B4-BE49-F238E27FC236}">
-                <a16:creationId xmlns:a16="http://schemas.microsoft.com/office/drawing/2014/main" id="{877A8B68-E686-B410-4598-63404A203793}"/>
-              </a:ext>
-            </a:extLst>
-          </p:cNvPr>
-          <p:cNvSpPr>
-            <a:spLocks noGrp="1"/>
-          </p:cNvSpPr>
-          <p:nvPr>
-            <p:ph idx="1"/>
-          </p:nvPr>
-        </p:nvSpPr>
-        <p:spPr/>
-        <p:txBody>
-          <a:bodyPr/>
-          <a:lstStyle/>
-          <a:p>
-            <a:r>
-              <a:rPr lang="en-GB" dirty="0"/>
-              <a:t>React is a JavaScript framework which fulfils two key roles:</a:t>
-            </a:r>
-          </a:p>
-          <a:p>
+              <a:t>These goals have been well separated, but in reality they are closely related.</a:t>
+            </a:r>
+          </a:p>
+        </p:txBody>
+      </p:sp>
+      <p:sp>
+        <p:nvSpPr>
+          <p:cNvPr id="3" name="Text Placeholder 2">
+            <a:extLst>
+              <a:ext uri="{FF2B5EF4-FFF2-40B4-BE49-F238E27FC236}">
+                <a16:creationId xmlns:a16="http://schemas.microsoft.com/office/drawing/2014/main" id="{F78ABC9B-A7B1-19EC-36E5-A82F3B6717DA}"/>
+              </a:ext>
+            </a:extLst>
+          </p:cNvPr>
+          <p:cNvSpPr>
+            <a:spLocks noGrp="1"/>
+          </p:cNvSpPr>
+          <p:nvPr>
+            <p:ph type="body" idx="1"/>
+          </p:nvPr>
+        </p:nvSpPr>
+        <p:spPr/>
+        <p:txBody>
+          <a:bodyPr/>
+          <a:lstStyle/>
+          <a:p>
+            <a:endParaRPr lang="en-GB"/>
+          </a:p>
+        </p:txBody>
+      </p:sp>
+      <p:sp>
+        <p:nvSpPr>
+          <p:cNvPr id="6" name="Title 1">
+            <a:extLst>
+              <a:ext uri="{FF2B5EF4-FFF2-40B4-BE49-F238E27FC236}">
+                <a16:creationId xmlns:a16="http://schemas.microsoft.com/office/drawing/2014/main" id="{4E11D83D-40F2-D6D8-5061-0BEDACC12F7E}"/>
+              </a:ext>
+            </a:extLst>
+          </p:cNvPr>
+          <p:cNvSpPr txBox="1">
+            <a:spLocks/>
+          </p:cNvSpPr>
+          <p:nvPr/>
+        </p:nvSpPr>
+        <p:spPr>
+          <a:xfrm>
+            <a:off x="293785" y="942392"/>
+            <a:ext cx="10515600" cy="852002"/>
+          </a:xfrm>
+          <a:prstGeom prst="rect">
+            <a:avLst/>
+          </a:prstGeom>
+        </p:spPr>
+        <p:txBody>
+          <a:bodyPr vert="horz" lIns="91440" tIns="45720" rIns="91440" bIns="45720" rtlCol="0" anchor="b">
+            <a:normAutofit lnSpcReduction="10000"/>
+          </a:bodyPr>
+          <a:lstStyle>
+            <a:lvl1pPr algn="l" defTabSz="914400" rtl="0" eaLnBrk="1" latinLnBrk="0" hangingPunct="1">
+              <a:lnSpc>
+                <a:spcPct val="90000"/>
+              </a:lnSpc>
+              <a:spcBef>
+                <a:spcPct val="0"/>
+              </a:spcBef>
+              <a:buNone/>
+              <a:defRPr sz="6000" kern="1200">
+                <a:solidFill>
+                  <a:schemeClr val="tx1"/>
+                </a:solidFill>
+                <a:latin typeface="+mj-lt"/>
+                <a:ea typeface="+mj-ea"/>
+                <a:cs typeface="+mj-cs"/>
+              </a:defRPr>
+            </a:lvl1pPr>
+          </a:lstStyle>
+          <a:p>
+            <a:pPr algn="ctr"/>
+            <a:r>
+              <a:rPr lang="en-GB"/>
+              <a:t>The problem:</a:t>
+            </a:r>
             <a:endParaRPr lang="en-GB" dirty="0"/>
-          </a:p>
-          <a:p>
-            <a:r>
-              <a:rPr lang="en-GB" dirty="0"/>
-              <a:t>Firstly, it integrates the issues of data manipulation (traditional JS task) and the issue of data structure (traditional HTML task) into a single solution.</a:t>
-            </a:r>
-          </a:p>
-          <a:p>
-            <a:endParaRPr lang="en-GB" dirty="0"/>
-          </a:p>
-          <a:p>
-            <a:r>
-              <a:rPr lang="en-GB" dirty="0"/>
-              <a:t>Secondly, it creates a way to encapsulate such behaviour in a manner which makes such code much more reusable, logical, and readable.</a:t>
-            </a:r>
           </a:p>
         </p:txBody>
       </p:sp>
     </p:spTree>
     <p:extLst>
       <p:ext uri="{BB962C8B-B14F-4D97-AF65-F5344CB8AC3E}">
-        <p14:creationId xmlns:p14="http://schemas.microsoft.com/office/powerpoint/2010/main" val="4122720556"/>
+        <p14:creationId xmlns:p14="http://schemas.microsoft.com/office/powerpoint/2010/main" val="3974084224"/>
       </p:ext>
     </p:extLst>
   </p:cSld>
@@ -5333,7 +7588,7 @@
           <p:cNvPr id="2" name="Title 1">
             <a:extLst>
               <a:ext uri="{FF2B5EF4-FFF2-40B4-BE49-F238E27FC236}">
-                <a16:creationId xmlns:a16="http://schemas.microsoft.com/office/drawing/2014/main" id="{AE8AA4A0-BDC2-F2B2-597D-B89A1A716192}"/>
+                <a16:creationId xmlns:a16="http://schemas.microsoft.com/office/drawing/2014/main" id="{5592494A-6FAA-C9E3-1C01-2173585BC399}"/>
               </a:ext>
             </a:extLst>
           </p:cNvPr>
@@ -5351,89 +7606,40 @@
           <a:p>
             <a:r>
               <a:rPr lang="en-GB" dirty="0"/>
-              <a:t>Components</a:t>
-            </a:r>
-          </a:p>
-        </p:txBody>
-      </p:sp>
-      <p:sp>
-        <p:nvSpPr>
-          <p:cNvPr id="3" name="Content Placeholder 2">
-            <a:extLst>
-              <a:ext uri="{FF2B5EF4-FFF2-40B4-BE49-F238E27FC236}">
-                <a16:creationId xmlns:a16="http://schemas.microsoft.com/office/drawing/2014/main" id="{4755DB71-2BC0-61CD-D4CC-1D97F41DD367}"/>
-              </a:ext>
-            </a:extLst>
-          </p:cNvPr>
-          <p:cNvSpPr>
-            <a:spLocks noGrp="1"/>
-          </p:cNvSpPr>
-          <p:nvPr>
-            <p:ph idx="1"/>
-          </p:nvPr>
-        </p:nvSpPr>
-        <p:spPr/>
-        <p:txBody>
-          <a:bodyPr/>
-          <a:lstStyle/>
-          <a:p>
-            <a:r>
-              <a:rPr lang="en-GB" dirty="0"/>
-              <a:t>The most important react concept.</a:t>
-            </a:r>
-          </a:p>
-          <a:p>
-            <a:endParaRPr lang="en-GB" dirty="0"/>
-          </a:p>
-          <a:p>
-            <a:r>
-              <a:rPr lang="en-GB" dirty="0"/>
-              <a:t>Code is split up into components – this is how we encapsulate </a:t>
-            </a:r>
-            <a:r>
-              <a:rPr lang="en-GB" dirty="0" err="1"/>
-              <a:t>behavior</a:t>
-            </a:r>
-            <a:r>
-              <a:rPr lang="en-GB" dirty="0"/>
-              <a:t>. We create a component to fulfil a specific task.</a:t>
-            </a:r>
-          </a:p>
-          <a:p>
-            <a:endParaRPr lang="en-GB" dirty="0"/>
-          </a:p>
-          <a:p>
-            <a:r>
-              <a:rPr lang="en-GB" dirty="0"/>
-              <a:t>Components can be class based or functional.</a:t>
-            </a:r>
-          </a:p>
-          <a:p>
-            <a:r>
-              <a:rPr lang="en-GB" dirty="0"/>
-              <a:t>No one write class based components anymore – they’re annoying</a:t>
-            </a:r>
-          </a:p>
-          <a:p>
-            <a:pPr lvl="1"/>
-            <a:r>
-              <a:rPr lang="en-GB" dirty="0"/>
-              <a:t>However they can be useful to study to understand the workings of react</a:t>
-            </a:r>
-          </a:p>
-          <a:p>
-            <a:pPr lvl="2"/>
-            <a:r>
-              <a:rPr lang="en-GB" dirty="0"/>
-              <a:t>We do not have time for that though.</a:t>
-            </a:r>
+              <a:t>In other words, an inappropriate separation of concerns.</a:t>
+            </a:r>
+          </a:p>
+        </p:txBody>
+      </p:sp>
+      <p:sp>
+        <p:nvSpPr>
+          <p:cNvPr id="3" name="Text Placeholder 2">
+            <a:extLst>
+              <a:ext uri="{FF2B5EF4-FFF2-40B4-BE49-F238E27FC236}">
+                <a16:creationId xmlns:a16="http://schemas.microsoft.com/office/drawing/2014/main" id="{DEECA097-D492-FDF3-24F5-81D0DE1206D6}"/>
+              </a:ext>
+            </a:extLst>
+          </p:cNvPr>
+          <p:cNvSpPr>
+            <a:spLocks noGrp="1"/>
+          </p:cNvSpPr>
+          <p:nvPr>
+            <p:ph type="body" idx="1"/>
+          </p:nvPr>
+        </p:nvSpPr>
+        <p:spPr/>
+        <p:txBody>
+          <a:bodyPr/>
+          <a:lstStyle/>
+          <a:p>
+            <a:endParaRPr lang="en-GB"/>
           </a:p>
         </p:txBody>
       </p:sp>
     </p:spTree>
     <p:extLst>
       <p:ext uri="{BB962C8B-B14F-4D97-AF65-F5344CB8AC3E}">
-        <p14:creationId xmlns:p14="http://schemas.microsoft.com/office/powerpoint/2010/main" val="3369015090"/>
+        <p14:creationId xmlns:p14="http://schemas.microsoft.com/office/powerpoint/2010/main" val="3497452810"/>
       </p:ext>
     </p:extLst>
   </p:cSld>
